--- a/Project4-MachineLearning/KGW/KGW.pptx
+++ b/Project4-MachineLearning/KGW/KGW.pptx
@@ -11,9 +11,9 @@
     <p:sldId id="256" r:id="rId2"/>
     <p:sldId id="257" r:id="rId3"/>
     <p:sldId id="258" r:id="rId4"/>
-    <p:sldId id="259" r:id="rId5"/>
-    <p:sldId id="260" r:id="rId6"/>
-    <p:sldId id="261" r:id="rId7"/>
+    <p:sldId id="281" r:id="rId5"/>
+    <p:sldId id="259" r:id="rId6"/>
+    <p:sldId id="260" r:id="rId7"/>
     <p:sldId id="262" r:id="rId8"/>
     <p:sldId id="263" r:id="rId9"/>
     <p:sldId id="264" r:id="rId10"/>
@@ -30,22 +30,6 @@
   </p:sldIdLst>
   <p:sldSz cx="9144000" cy="5143500" type="screen16x9"/>
   <p:notesSz cx="6858000" cy="9144000"/>
-  <p:embeddedFontLst>
-    <p:embeddedFont>
-      <p:font typeface="Proxima Nova" panose="02020500000000000000" charset="0"/>
-      <p:regular r:id="rId22"/>
-      <p:bold r:id="rId23"/>
-      <p:italic r:id="rId24"/>
-      <p:boldItalic r:id="rId25"/>
-    </p:embeddedFont>
-    <p:embeddedFont>
-      <p:font typeface="Consolas" panose="020B0609020204030204" pitchFamily="49" charset="0"/>
-      <p:regular r:id="rId26"/>
-      <p:bold r:id="rId27"/>
-      <p:italic r:id="rId28"/>
-      <p:boldItalic r:id="rId29"/>
-    </p:embeddedFont>
-  </p:embeddedFontLst>
   <p:defaultTextStyle>
     <a:defPPr marR="0" lvl="0" algn="l" rtl="0">
       <a:lnSpc>
@@ -2179,6 +2163,13 @@
         </dgm:presLayoutVars>
       </dgm:prSet>
       <dgm:spPr/>
+      <dgm:t>
+        <a:bodyPr/>
+        <a:lstStyle/>
+        <a:p>
+          <a:endParaRPr lang="en-US"/>
+        </a:p>
+      </dgm:t>
     </dgm:pt>
     <dgm:pt modelId="{2B0CD942-BBB4-431E-AB80-D8A8AFA452CD}" type="pres">
       <dgm:prSet presAssocID="{9C63EABF-7B0F-4FED-AB53-B208709C19B3}" presName="linNode" presStyleCnt="0"/>
@@ -2191,6 +2182,13 @@
         </dgm:presLayoutVars>
       </dgm:prSet>
       <dgm:spPr/>
+      <dgm:t>
+        <a:bodyPr/>
+        <a:lstStyle/>
+        <a:p>
+          <a:endParaRPr lang="en-US"/>
+        </a:p>
+      </dgm:t>
     </dgm:pt>
     <dgm:pt modelId="{061BF85C-4374-4626-913B-A6A1292263F2}" type="pres">
       <dgm:prSet presAssocID="{9C63EABF-7B0F-4FED-AB53-B208709C19B3}" presName="childShp" presStyleLbl="bgAccFollowNode1" presStyleIdx="0" presStyleCnt="2">
@@ -2199,6 +2197,13 @@
         </dgm:presLayoutVars>
       </dgm:prSet>
       <dgm:spPr/>
+      <dgm:t>
+        <a:bodyPr/>
+        <a:lstStyle/>
+        <a:p>
+          <a:endParaRPr lang="en-US"/>
+        </a:p>
+      </dgm:t>
     </dgm:pt>
     <dgm:pt modelId="{50D3E8A0-4836-4EE0-A195-CDD2D6ABA276}" type="pres">
       <dgm:prSet presAssocID="{07A50D77-CA3B-464A-ABAD-F6EC673C5D60}" presName="spacing" presStyleCnt="0"/>
@@ -2215,6 +2220,13 @@
         </dgm:presLayoutVars>
       </dgm:prSet>
       <dgm:spPr/>
+      <dgm:t>
+        <a:bodyPr/>
+        <a:lstStyle/>
+        <a:p>
+          <a:endParaRPr lang="en-US"/>
+        </a:p>
+      </dgm:t>
     </dgm:pt>
     <dgm:pt modelId="{763E277C-EC83-4761-9092-48EF0D24DBA2}" type="pres">
       <dgm:prSet presAssocID="{0A7036DF-2E65-457A-BA34-52B13F146D74}" presName="childShp" presStyleLbl="bgAccFollowNode1" presStyleIdx="1" presStyleCnt="2">
@@ -2223,6 +2235,13 @@
         </dgm:presLayoutVars>
       </dgm:prSet>
       <dgm:spPr/>
+      <dgm:t>
+        <a:bodyPr/>
+        <a:lstStyle/>
+        <a:p>
+          <a:endParaRPr lang="en-US"/>
+        </a:p>
+      </dgm:t>
     </dgm:pt>
   </dgm:ptLst>
   <dgm:cxnLst>
@@ -2432,7 +2451,19 @@
             <a:rPr lang="en" sz="1200" dirty="0">
               <a:latin typeface="Proxima Nova" panose="02020500000000000000" charset="0"/>
             </a:rPr>
-            <a:t>Take too much time / Not suitable for MLR / Overfitting</a:t>
+            <a:t>Take too much time </a:t>
+          </a:r>
+          <a:r>
+            <a:rPr lang="en" sz="1200" dirty="0" smtClean="0">
+              <a:latin typeface="Proxima Nova" panose="02020500000000000000" charset="0"/>
+            </a:rPr>
+            <a:t>/ </a:t>
+          </a:r>
+          <a:r>
+            <a:rPr lang="en" sz="1200" dirty="0">
+              <a:latin typeface="Proxima Nova" panose="02020500000000000000" charset="0"/>
+            </a:rPr>
+            <a:t>Overfitting</a:t>
           </a:r>
           <a:endParaRPr lang="en-US" altLang="zh-TW" sz="1200" dirty="0">
             <a:latin typeface="Proxima Nova" panose="02020500000000000000" charset="0"/>
@@ -2903,6 +2934,13 @@
         </dgm:presLayoutVars>
       </dgm:prSet>
       <dgm:spPr/>
+      <dgm:t>
+        <a:bodyPr/>
+        <a:lstStyle/>
+        <a:p>
+          <a:endParaRPr lang="en-US"/>
+        </a:p>
+      </dgm:t>
     </dgm:pt>
     <dgm:pt modelId="{EF99675F-6CC0-4DD9-A32F-0DDBA1CADFB4}" type="pres">
       <dgm:prSet presAssocID="{6656FD66-FBC1-4F7C-87EE-3BB9BD86932F}" presName="root" presStyleCnt="0"/>
@@ -2915,10 +2953,24 @@
     <dgm:pt modelId="{D25DA5C0-8DDC-43FC-8C19-4B1ECF8FA3A1}" type="pres">
       <dgm:prSet presAssocID="{6656FD66-FBC1-4F7C-87EE-3BB9BD86932F}" presName="rootText" presStyleLbl="node1" presStyleIdx="0" presStyleCnt="3"/>
       <dgm:spPr/>
+      <dgm:t>
+        <a:bodyPr/>
+        <a:lstStyle/>
+        <a:p>
+          <a:endParaRPr lang="en-US"/>
+        </a:p>
+      </dgm:t>
     </dgm:pt>
     <dgm:pt modelId="{2B143D91-EB27-4B6C-8DAC-816E7FFF005A}" type="pres">
       <dgm:prSet presAssocID="{6656FD66-FBC1-4F7C-87EE-3BB9BD86932F}" presName="rootConnector" presStyleLbl="node1" presStyleIdx="0" presStyleCnt="3"/>
       <dgm:spPr/>
+      <dgm:t>
+        <a:bodyPr/>
+        <a:lstStyle/>
+        <a:p>
+          <a:endParaRPr lang="en-US"/>
+        </a:p>
+      </dgm:t>
     </dgm:pt>
     <dgm:pt modelId="{3BCEA12D-46D7-4960-AA6E-84650F4EBD59}" type="pres">
       <dgm:prSet presAssocID="{6656FD66-FBC1-4F7C-87EE-3BB9BD86932F}" presName="childShape" presStyleCnt="0"/>
@@ -2927,6 +2979,13 @@
     <dgm:pt modelId="{E5874F16-E77B-4A60-B6E2-E71967B370C8}" type="pres">
       <dgm:prSet presAssocID="{BBDC7F1F-C4B1-46F1-AB70-E1CCD833AF5B}" presName="Name13" presStyleLbl="parChTrans1D2" presStyleIdx="0" presStyleCnt="6"/>
       <dgm:spPr/>
+      <dgm:t>
+        <a:bodyPr/>
+        <a:lstStyle/>
+        <a:p>
+          <a:endParaRPr lang="en-US"/>
+        </a:p>
+      </dgm:t>
     </dgm:pt>
     <dgm:pt modelId="{DE12DF5A-2D0C-4F30-BD41-0C9979DA6E72}" type="pres">
       <dgm:prSet presAssocID="{32133921-4688-4BD6-986A-D877D302977C}" presName="childText" presStyleLbl="bgAcc1" presStyleIdx="0" presStyleCnt="6">
@@ -2935,10 +2994,24 @@
         </dgm:presLayoutVars>
       </dgm:prSet>
       <dgm:spPr/>
+      <dgm:t>
+        <a:bodyPr/>
+        <a:lstStyle/>
+        <a:p>
+          <a:endParaRPr lang="en-US"/>
+        </a:p>
+      </dgm:t>
     </dgm:pt>
     <dgm:pt modelId="{BC71166A-D604-4912-98E1-A21206B7BBE3}" type="pres">
       <dgm:prSet presAssocID="{B881F929-7083-4668-9F0D-48498587BEAB}" presName="Name13" presStyleLbl="parChTrans1D2" presStyleIdx="1" presStyleCnt="6"/>
       <dgm:spPr/>
+      <dgm:t>
+        <a:bodyPr/>
+        <a:lstStyle/>
+        <a:p>
+          <a:endParaRPr lang="en-US"/>
+        </a:p>
+      </dgm:t>
     </dgm:pt>
     <dgm:pt modelId="{94303E18-2FD0-495E-B6AC-B55D9128F5F7}" type="pres">
       <dgm:prSet presAssocID="{F754C89C-C7A8-44AA-BED9-5BDAE73B5B16}" presName="childText" presStyleLbl="bgAcc1" presStyleIdx="1" presStyleCnt="6">
@@ -2947,6 +3020,13 @@
         </dgm:presLayoutVars>
       </dgm:prSet>
       <dgm:spPr/>
+      <dgm:t>
+        <a:bodyPr/>
+        <a:lstStyle/>
+        <a:p>
+          <a:endParaRPr lang="en-US"/>
+        </a:p>
+      </dgm:t>
     </dgm:pt>
     <dgm:pt modelId="{9DEFA761-E128-4CE6-BAD1-CA68AE5FB978}" type="pres">
       <dgm:prSet presAssocID="{77F3010B-F28B-4000-8E6C-4DE06BE354E1}" presName="root" presStyleCnt="0"/>
@@ -2959,10 +3039,24 @@
     <dgm:pt modelId="{F884659A-4CC6-41C8-B4EB-D6CAEA4BF44C}" type="pres">
       <dgm:prSet presAssocID="{77F3010B-F28B-4000-8E6C-4DE06BE354E1}" presName="rootText" presStyleLbl="node1" presStyleIdx="1" presStyleCnt="3"/>
       <dgm:spPr/>
+      <dgm:t>
+        <a:bodyPr/>
+        <a:lstStyle/>
+        <a:p>
+          <a:endParaRPr lang="en-US"/>
+        </a:p>
+      </dgm:t>
     </dgm:pt>
     <dgm:pt modelId="{568833BC-6377-4068-9691-58DE20F1F481}" type="pres">
       <dgm:prSet presAssocID="{77F3010B-F28B-4000-8E6C-4DE06BE354E1}" presName="rootConnector" presStyleLbl="node1" presStyleIdx="1" presStyleCnt="3"/>
       <dgm:spPr/>
+      <dgm:t>
+        <a:bodyPr/>
+        <a:lstStyle/>
+        <a:p>
+          <a:endParaRPr lang="en-US"/>
+        </a:p>
+      </dgm:t>
     </dgm:pt>
     <dgm:pt modelId="{9D1B8DA7-57C8-43E9-8F1C-CFC66ABD2D42}" type="pres">
       <dgm:prSet presAssocID="{77F3010B-F28B-4000-8E6C-4DE06BE354E1}" presName="childShape" presStyleCnt="0"/>
@@ -2971,6 +3065,13 @@
     <dgm:pt modelId="{6DC4EA92-114D-4120-BD7D-C403B4A73146}" type="pres">
       <dgm:prSet presAssocID="{DB21606A-AADA-4F1B-9E14-BFB710CA6847}" presName="Name13" presStyleLbl="parChTrans1D2" presStyleIdx="2" presStyleCnt="6"/>
       <dgm:spPr/>
+      <dgm:t>
+        <a:bodyPr/>
+        <a:lstStyle/>
+        <a:p>
+          <a:endParaRPr lang="en-US"/>
+        </a:p>
+      </dgm:t>
     </dgm:pt>
     <dgm:pt modelId="{8907842B-5381-464D-9324-832C084C27FB}" type="pres">
       <dgm:prSet presAssocID="{104E28E4-8FF8-45D8-8F96-F3209772D864}" presName="childText" presStyleLbl="bgAcc1" presStyleIdx="2" presStyleCnt="6">
@@ -2979,10 +3080,24 @@
         </dgm:presLayoutVars>
       </dgm:prSet>
       <dgm:spPr/>
+      <dgm:t>
+        <a:bodyPr/>
+        <a:lstStyle/>
+        <a:p>
+          <a:endParaRPr lang="en-US"/>
+        </a:p>
+      </dgm:t>
     </dgm:pt>
     <dgm:pt modelId="{56F777BB-0CAD-4504-975F-BDC26BB78EA0}" type="pres">
       <dgm:prSet presAssocID="{F2178F81-B048-4C92-94DB-6C38AAA1DD8F}" presName="Name13" presStyleLbl="parChTrans1D2" presStyleIdx="3" presStyleCnt="6"/>
       <dgm:spPr/>
+      <dgm:t>
+        <a:bodyPr/>
+        <a:lstStyle/>
+        <a:p>
+          <a:endParaRPr lang="en-US"/>
+        </a:p>
+      </dgm:t>
     </dgm:pt>
     <dgm:pt modelId="{B4B9A6AA-1B77-4233-8904-290616B01457}" type="pres">
       <dgm:prSet presAssocID="{9963DAA2-5F3E-440F-8F86-EEDC57B38186}" presName="childText" presStyleLbl="bgAcc1" presStyleIdx="3" presStyleCnt="6">
@@ -2991,6 +3106,13 @@
         </dgm:presLayoutVars>
       </dgm:prSet>
       <dgm:spPr/>
+      <dgm:t>
+        <a:bodyPr/>
+        <a:lstStyle/>
+        <a:p>
+          <a:endParaRPr lang="en-US"/>
+        </a:p>
+      </dgm:t>
     </dgm:pt>
     <dgm:pt modelId="{EC3E9DBA-AFF4-4CAA-9111-9AAEEFEAD9BE}" type="pres">
       <dgm:prSet presAssocID="{D82179D9-3B05-4D00-AB37-3EBA8EE806B0}" presName="root" presStyleCnt="0"/>
@@ -3003,10 +3125,24 @@
     <dgm:pt modelId="{2E42B2C5-1B86-44A9-89C4-42EF0E5DCD66}" type="pres">
       <dgm:prSet presAssocID="{D82179D9-3B05-4D00-AB37-3EBA8EE806B0}" presName="rootText" presStyleLbl="node1" presStyleIdx="2" presStyleCnt="3"/>
       <dgm:spPr/>
+      <dgm:t>
+        <a:bodyPr/>
+        <a:lstStyle/>
+        <a:p>
+          <a:endParaRPr lang="en-US"/>
+        </a:p>
+      </dgm:t>
     </dgm:pt>
     <dgm:pt modelId="{E76250A3-8146-4C98-B3A2-5EC4F5465422}" type="pres">
       <dgm:prSet presAssocID="{D82179D9-3B05-4D00-AB37-3EBA8EE806B0}" presName="rootConnector" presStyleLbl="node1" presStyleIdx="2" presStyleCnt="3"/>
       <dgm:spPr/>
+      <dgm:t>
+        <a:bodyPr/>
+        <a:lstStyle/>
+        <a:p>
+          <a:endParaRPr lang="en-US"/>
+        </a:p>
+      </dgm:t>
     </dgm:pt>
     <dgm:pt modelId="{7A4713A5-A139-4805-90D1-F344123C4377}" type="pres">
       <dgm:prSet presAssocID="{D82179D9-3B05-4D00-AB37-3EBA8EE806B0}" presName="childShape" presStyleCnt="0"/>
@@ -3015,6 +3151,13 @@
     <dgm:pt modelId="{AC3C51B7-A6AB-43BD-96CC-3CCAE886A9B2}" type="pres">
       <dgm:prSet presAssocID="{3D78867E-B88A-4CC2-AEE2-189655922BA4}" presName="Name13" presStyleLbl="parChTrans1D2" presStyleIdx="4" presStyleCnt="6"/>
       <dgm:spPr/>
+      <dgm:t>
+        <a:bodyPr/>
+        <a:lstStyle/>
+        <a:p>
+          <a:endParaRPr lang="en-US"/>
+        </a:p>
+      </dgm:t>
     </dgm:pt>
     <dgm:pt modelId="{2A83B6C6-55E3-47DE-98CA-DD53BD2F21B5}" type="pres">
       <dgm:prSet presAssocID="{A7E8193B-4862-4EB4-BB14-E61ECC6BE50D}" presName="childText" presStyleLbl="bgAcc1" presStyleIdx="4" presStyleCnt="6">
@@ -3023,10 +3166,24 @@
         </dgm:presLayoutVars>
       </dgm:prSet>
       <dgm:spPr/>
+      <dgm:t>
+        <a:bodyPr/>
+        <a:lstStyle/>
+        <a:p>
+          <a:endParaRPr lang="en-US"/>
+        </a:p>
+      </dgm:t>
     </dgm:pt>
     <dgm:pt modelId="{059F6E6C-07BF-4481-80A4-4587CF409748}" type="pres">
       <dgm:prSet presAssocID="{572BE7A0-69C0-486E-B7F3-7EF20DC204C3}" presName="Name13" presStyleLbl="parChTrans1D2" presStyleIdx="5" presStyleCnt="6"/>
       <dgm:spPr/>
+      <dgm:t>
+        <a:bodyPr/>
+        <a:lstStyle/>
+        <a:p>
+          <a:endParaRPr lang="en-US"/>
+        </a:p>
+      </dgm:t>
     </dgm:pt>
     <dgm:pt modelId="{414F0DF8-2B5E-41FD-918D-4BE6923394F3}" type="pres">
       <dgm:prSet presAssocID="{661EC3FB-7039-47B3-BDDE-D2EC89211A96}" presName="childText" presStyleLbl="bgAcc1" presStyleIdx="5" presStyleCnt="6">
@@ -3035,39 +3192,46 @@
         </dgm:presLayoutVars>
       </dgm:prSet>
       <dgm:spPr/>
+      <dgm:t>
+        <a:bodyPr/>
+        <a:lstStyle/>
+        <a:p>
+          <a:endParaRPr lang="en-US"/>
+        </a:p>
+      </dgm:t>
     </dgm:pt>
   </dgm:ptLst>
   <dgm:cxnLst>
+    <dgm:cxn modelId="{F93749DC-BE30-4822-AE67-3ECE629613FB}" type="presOf" srcId="{77F3010B-F28B-4000-8E6C-4DE06BE354E1}" destId="{F884659A-4CC6-41C8-B4EB-D6CAEA4BF44C}" srcOrd="0" destOrd="0" presId="urn:microsoft.com/office/officeart/2005/8/layout/hierarchy3"/>
+    <dgm:cxn modelId="{FB4EFD24-BBE5-4D56-BA18-2950B2C2C23E}" type="presOf" srcId="{6656FD66-FBC1-4F7C-87EE-3BB9BD86932F}" destId="{2B143D91-EB27-4B6C-8DAC-816E7FFF005A}" srcOrd="1" destOrd="0" presId="urn:microsoft.com/office/officeart/2005/8/layout/hierarchy3"/>
+    <dgm:cxn modelId="{4B71833C-2C7A-4CAE-9812-611884C3F492}" type="presOf" srcId="{661EC3FB-7039-47B3-BDDE-D2EC89211A96}" destId="{414F0DF8-2B5E-41FD-918D-4BE6923394F3}" srcOrd="0" destOrd="0" presId="urn:microsoft.com/office/officeart/2005/8/layout/hierarchy3"/>
+    <dgm:cxn modelId="{B6DCA137-7CF9-49D5-AB20-AF3E8EC9A0DF}" srcId="{D82179D9-3B05-4D00-AB37-3EBA8EE806B0}" destId="{661EC3FB-7039-47B3-BDDE-D2EC89211A96}" srcOrd="1" destOrd="0" parTransId="{572BE7A0-69C0-486E-B7F3-7EF20DC204C3}" sibTransId="{0C8280D1-408B-42A4-9116-95F4D5992C89}"/>
+    <dgm:cxn modelId="{C8554717-FAE9-4D1B-B796-953D66D84A8F}" type="presOf" srcId="{D82179D9-3B05-4D00-AB37-3EBA8EE806B0}" destId="{E76250A3-8146-4C98-B3A2-5EC4F5465422}" srcOrd="1" destOrd="0" presId="urn:microsoft.com/office/officeart/2005/8/layout/hierarchy3"/>
+    <dgm:cxn modelId="{835477BE-9391-4F63-B71D-DA93045EE003}" type="presOf" srcId="{D82179D9-3B05-4D00-AB37-3EBA8EE806B0}" destId="{2E42B2C5-1B86-44A9-89C4-42EF0E5DCD66}" srcOrd="0" destOrd="0" presId="urn:microsoft.com/office/officeart/2005/8/layout/hierarchy3"/>
+    <dgm:cxn modelId="{B4E06AB9-1DDA-4405-AD45-FEE3096C1FF3}" srcId="{06BD6BFF-D982-43C4-9D77-C7BA18B10CEF}" destId="{77F3010B-F28B-4000-8E6C-4DE06BE354E1}" srcOrd="1" destOrd="0" parTransId="{2190AEAA-9340-47B6-9C47-4C273A3C0A3A}" sibTransId="{3856BE53-C60A-4F40-B629-E29BA2A25BA5}"/>
+    <dgm:cxn modelId="{D0EB19ED-B1B3-4E64-B2C1-71E3A225F7BA}" type="presOf" srcId="{B881F929-7083-4668-9F0D-48498587BEAB}" destId="{BC71166A-D604-4912-98E1-A21206B7BBE3}" srcOrd="0" destOrd="0" presId="urn:microsoft.com/office/officeart/2005/8/layout/hierarchy3"/>
+    <dgm:cxn modelId="{7EAD43B2-72FA-46DF-BA7D-181BD9706445}" type="presOf" srcId="{104E28E4-8FF8-45D8-8F96-F3209772D864}" destId="{8907842B-5381-464D-9324-832C084C27FB}" srcOrd="0" destOrd="0" presId="urn:microsoft.com/office/officeart/2005/8/layout/hierarchy3"/>
+    <dgm:cxn modelId="{8187628A-D059-45AB-B19A-FE80D229EC9A}" type="presOf" srcId="{6656FD66-FBC1-4F7C-87EE-3BB9BD86932F}" destId="{D25DA5C0-8DDC-43FC-8C19-4B1ECF8FA3A1}" srcOrd="0" destOrd="0" presId="urn:microsoft.com/office/officeart/2005/8/layout/hierarchy3"/>
+    <dgm:cxn modelId="{20CD9CDC-9090-4FDB-95BC-2CD9FD764A48}" type="presOf" srcId="{BBDC7F1F-C4B1-46F1-AB70-E1CCD833AF5B}" destId="{E5874F16-E77B-4A60-B6E2-E71967B370C8}" srcOrd="0" destOrd="0" presId="urn:microsoft.com/office/officeart/2005/8/layout/hierarchy3"/>
+    <dgm:cxn modelId="{C9A91B79-53E1-4B4F-95EF-4159C5CBDF5D}" srcId="{6656FD66-FBC1-4F7C-87EE-3BB9BD86932F}" destId="{32133921-4688-4BD6-986A-D877D302977C}" srcOrd="0" destOrd="0" parTransId="{BBDC7F1F-C4B1-46F1-AB70-E1CCD833AF5B}" sibTransId="{CB58F715-DE87-43C6-A64A-249A3BABDAE5}"/>
+    <dgm:cxn modelId="{D4D86B16-F33E-4B32-9D7F-CD574E6C11FA}" type="presOf" srcId="{F2178F81-B048-4C92-94DB-6C38AAA1DD8F}" destId="{56F777BB-0CAD-4504-975F-BDC26BB78EA0}" srcOrd="0" destOrd="0" presId="urn:microsoft.com/office/officeart/2005/8/layout/hierarchy3"/>
+    <dgm:cxn modelId="{F2D11BFF-2F0F-40E2-A634-5E7F87F15091}" type="presOf" srcId="{32133921-4688-4BD6-986A-D877D302977C}" destId="{DE12DF5A-2D0C-4F30-BD41-0C9979DA6E72}" srcOrd="0" destOrd="0" presId="urn:microsoft.com/office/officeart/2005/8/layout/hierarchy3"/>
+    <dgm:cxn modelId="{04EE3127-2B7A-431F-B6BA-02B065B918E6}" type="presOf" srcId="{9963DAA2-5F3E-440F-8F86-EEDC57B38186}" destId="{B4B9A6AA-1B77-4233-8904-290616B01457}" srcOrd="0" destOrd="0" presId="urn:microsoft.com/office/officeart/2005/8/layout/hierarchy3"/>
+    <dgm:cxn modelId="{BED3BEEE-EDD2-447D-A9E3-1040B7636369}" type="presOf" srcId="{F754C89C-C7A8-44AA-BED9-5BDAE73B5B16}" destId="{94303E18-2FD0-495E-B6AC-B55D9128F5F7}" srcOrd="0" destOrd="0" presId="urn:microsoft.com/office/officeart/2005/8/layout/hierarchy3"/>
     <dgm:cxn modelId="{17863A46-4845-4926-8E2E-896736BAD1C9}" type="presOf" srcId="{85300CE8-25CC-48CD-82F7-772CF3EDDA65}" destId="{414F0DF8-2B5E-41FD-918D-4BE6923394F3}" srcOrd="0" destOrd="1" presId="urn:microsoft.com/office/officeart/2005/8/layout/hierarchy3"/>
     <dgm:cxn modelId="{9881FAB5-6C8D-4F56-BC5A-2CA3EBDC4907}" type="presOf" srcId="{A7E8193B-4862-4EB4-BB14-E61ECC6BE50D}" destId="{2A83B6C6-55E3-47DE-98CA-DD53BD2F21B5}" srcOrd="0" destOrd="0" presId="urn:microsoft.com/office/officeart/2005/8/layout/hierarchy3"/>
-    <dgm:cxn modelId="{F2D11BFF-2F0F-40E2-A634-5E7F87F15091}" type="presOf" srcId="{32133921-4688-4BD6-986A-D877D302977C}" destId="{DE12DF5A-2D0C-4F30-BD41-0C9979DA6E72}" srcOrd="0" destOrd="0" presId="urn:microsoft.com/office/officeart/2005/8/layout/hierarchy3"/>
-    <dgm:cxn modelId="{20CD9CDC-9090-4FDB-95BC-2CD9FD764A48}" type="presOf" srcId="{BBDC7F1F-C4B1-46F1-AB70-E1CCD833AF5B}" destId="{E5874F16-E77B-4A60-B6E2-E71967B370C8}" srcOrd="0" destOrd="0" presId="urn:microsoft.com/office/officeart/2005/8/layout/hierarchy3"/>
-    <dgm:cxn modelId="{384A62B4-AB8A-4BC6-AF15-28B5406C5AFF}" type="presOf" srcId="{572BE7A0-69C0-486E-B7F3-7EF20DC204C3}" destId="{059F6E6C-07BF-4481-80A4-4587CF409748}" srcOrd="0" destOrd="0" presId="urn:microsoft.com/office/officeart/2005/8/layout/hierarchy3"/>
-    <dgm:cxn modelId="{835477BE-9391-4F63-B71D-DA93045EE003}" type="presOf" srcId="{D82179D9-3B05-4D00-AB37-3EBA8EE806B0}" destId="{2E42B2C5-1B86-44A9-89C4-42EF0E5DCD66}" srcOrd="0" destOrd="0" presId="urn:microsoft.com/office/officeart/2005/8/layout/hierarchy3"/>
-    <dgm:cxn modelId="{B4E06AB9-1DDA-4405-AD45-FEE3096C1FF3}" srcId="{06BD6BFF-D982-43C4-9D77-C7BA18B10CEF}" destId="{77F3010B-F28B-4000-8E6C-4DE06BE354E1}" srcOrd="1" destOrd="0" parTransId="{2190AEAA-9340-47B6-9C47-4C273A3C0A3A}" sibTransId="{3856BE53-C60A-4F40-B629-E29BA2A25BA5}"/>
-    <dgm:cxn modelId="{F7137755-6F7F-4690-B25E-2D197B9685C5}" type="presOf" srcId="{3D78867E-B88A-4CC2-AEE2-189655922BA4}" destId="{AC3C51B7-A6AB-43BD-96CC-3CCAE886A9B2}" srcOrd="0" destOrd="0" presId="urn:microsoft.com/office/officeart/2005/8/layout/hierarchy3"/>
+    <dgm:cxn modelId="{5F85650E-6E65-4C3F-89B2-14ECAA9C3F34}" type="presOf" srcId="{77F3010B-F28B-4000-8E6C-4DE06BE354E1}" destId="{568833BC-6377-4068-9691-58DE20F1F481}" srcOrd="1" destOrd="0" presId="urn:microsoft.com/office/officeart/2005/8/layout/hierarchy3"/>
+    <dgm:cxn modelId="{38FC58D0-4D2C-4D4B-9812-E239328A6CBB}" srcId="{06BD6BFF-D982-43C4-9D77-C7BA18B10CEF}" destId="{6656FD66-FBC1-4F7C-87EE-3BB9BD86932F}" srcOrd="0" destOrd="0" parTransId="{7697816F-DF88-4FB7-9D42-5472BDB18CF9}" sibTransId="{427CBA0B-2686-439D-B933-6C514F8C3F05}"/>
+    <dgm:cxn modelId="{CAFF4314-A428-412C-B767-0E9FCADCA423}" srcId="{77F3010B-F28B-4000-8E6C-4DE06BE354E1}" destId="{9963DAA2-5F3E-440F-8F86-EEDC57B38186}" srcOrd="1" destOrd="0" parTransId="{F2178F81-B048-4C92-94DB-6C38AAA1DD8F}" sibTransId="{5ACA89A6-5355-44F5-9976-1434011FA278}"/>
+    <dgm:cxn modelId="{F043333E-2E59-45EB-B644-7F3BAFADF040}" srcId="{06BD6BFF-D982-43C4-9D77-C7BA18B10CEF}" destId="{D82179D9-3B05-4D00-AB37-3EBA8EE806B0}" srcOrd="2" destOrd="0" parTransId="{0AE97C82-E405-4E31-8659-6982B6616522}" sibTransId="{91A9F018-7B7B-42D3-9751-4D0A859D0EFA}"/>
+    <dgm:cxn modelId="{A9FBA0DD-B560-4CD5-8F21-D644DD4B2AFF}" type="presOf" srcId="{DB21606A-AADA-4F1B-9E14-BFB710CA6847}" destId="{6DC4EA92-114D-4120-BD7D-C403B4A73146}" srcOrd="0" destOrd="0" presId="urn:microsoft.com/office/officeart/2005/8/layout/hierarchy3"/>
     <dgm:cxn modelId="{AF238650-B0BA-4975-9D5D-EFCCA80BF6FF}" srcId="{6656FD66-FBC1-4F7C-87EE-3BB9BD86932F}" destId="{F754C89C-C7A8-44AA-BED9-5BDAE73B5B16}" srcOrd="1" destOrd="0" parTransId="{B881F929-7083-4668-9F0D-48498587BEAB}" sibTransId="{03ADDA4E-D47A-47C3-932C-835453757A81}"/>
     <dgm:cxn modelId="{A5E4E0BB-A54A-4399-B6C6-31BBE94A5222}" srcId="{77F3010B-F28B-4000-8E6C-4DE06BE354E1}" destId="{104E28E4-8FF8-45D8-8F96-F3209772D864}" srcOrd="0" destOrd="0" parTransId="{DB21606A-AADA-4F1B-9E14-BFB710CA6847}" sibTransId="{97E3DEF9-5B4F-43A4-BDB5-957E50702BD4}"/>
-    <dgm:cxn modelId="{A9FBA0DD-B560-4CD5-8F21-D644DD4B2AFF}" type="presOf" srcId="{DB21606A-AADA-4F1B-9E14-BFB710CA6847}" destId="{6DC4EA92-114D-4120-BD7D-C403B4A73146}" srcOrd="0" destOrd="0" presId="urn:microsoft.com/office/officeart/2005/8/layout/hierarchy3"/>
-    <dgm:cxn modelId="{D4D86B16-F33E-4B32-9D7F-CD574E6C11FA}" type="presOf" srcId="{F2178F81-B048-4C92-94DB-6C38AAA1DD8F}" destId="{56F777BB-0CAD-4504-975F-BDC26BB78EA0}" srcOrd="0" destOrd="0" presId="urn:microsoft.com/office/officeart/2005/8/layout/hierarchy3"/>
+    <dgm:cxn modelId="{384A62B4-AB8A-4BC6-AF15-28B5406C5AFF}" type="presOf" srcId="{572BE7A0-69C0-486E-B7F3-7EF20DC204C3}" destId="{059F6E6C-07BF-4481-80A4-4587CF409748}" srcOrd="0" destOrd="0" presId="urn:microsoft.com/office/officeart/2005/8/layout/hierarchy3"/>
     <dgm:cxn modelId="{7EE28462-4A5F-4B15-A70F-09EDD69C9B05}" srcId="{D82179D9-3B05-4D00-AB37-3EBA8EE806B0}" destId="{A7E8193B-4862-4EB4-BB14-E61ECC6BE50D}" srcOrd="0" destOrd="0" parTransId="{3D78867E-B88A-4CC2-AEE2-189655922BA4}" sibTransId="{17DA41E1-E0D1-42EB-A07D-9C76E95B602F}"/>
+    <dgm:cxn modelId="{7A598085-8DEB-4B9A-9E23-8C29905A1190}" type="presOf" srcId="{06BD6BFF-D982-43C4-9D77-C7BA18B10CEF}" destId="{2D72ECAB-EF3A-44CA-A779-D012723AE3BF}" srcOrd="0" destOrd="0" presId="urn:microsoft.com/office/officeart/2005/8/layout/hierarchy3"/>
+    <dgm:cxn modelId="{F7137755-6F7F-4690-B25E-2D197B9685C5}" type="presOf" srcId="{3D78867E-B88A-4CC2-AEE2-189655922BA4}" destId="{AC3C51B7-A6AB-43BD-96CC-3CCAE886A9B2}" srcOrd="0" destOrd="0" presId="urn:microsoft.com/office/officeart/2005/8/layout/hierarchy3"/>
     <dgm:cxn modelId="{FD168CB7-A003-4986-A755-5B09E441B5EF}" srcId="{661EC3FB-7039-47B3-BDDE-D2EC89211A96}" destId="{85300CE8-25CC-48CD-82F7-772CF3EDDA65}" srcOrd="0" destOrd="0" parTransId="{C648D211-7589-4A0D-AEDC-67F8A1769EEA}" sibTransId="{43E70E73-4FE8-455B-B0CF-25FD91910337}"/>
-    <dgm:cxn modelId="{8187628A-D059-45AB-B19A-FE80D229EC9A}" type="presOf" srcId="{6656FD66-FBC1-4F7C-87EE-3BB9BD86932F}" destId="{D25DA5C0-8DDC-43FC-8C19-4B1ECF8FA3A1}" srcOrd="0" destOrd="0" presId="urn:microsoft.com/office/officeart/2005/8/layout/hierarchy3"/>
-    <dgm:cxn modelId="{B6DCA137-7CF9-49D5-AB20-AF3E8EC9A0DF}" srcId="{D82179D9-3B05-4D00-AB37-3EBA8EE806B0}" destId="{661EC3FB-7039-47B3-BDDE-D2EC89211A96}" srcOrd="1" destOrd="0" parTransId="{572BE7A0-69C0-486E-B7F3-7EF20DC204C3}" sibTransId="{0C8280D1-408B-42A4-9116-95F4D5992C89}"/>
-    <dgm:cxn modelId="{BED3BEEE-EDD2-447D-A9E3-1040B7636369}" type="presOf" srcId="{F754C89C-C7A8-44AA-BED9-5BDAE73B5B16}" destId="{94303E18-2FD0-495E-B6AC-B55D9128F5F7}" srcOrd="0" destOrd="0" presId="urn:microsoft.com/office/officeart/2005/8/layout/hierarchy3"/>
-    <dgm:cxn modelId="{CAFF4314-A428-412C-B767-0E9FCADCA423}" srcId="{77F3010B-F28B-4000-8E6C-4DE06BE354E1}" destId="{9963DAA2-5F3E-440F-8F86-EEDC57B38186}" srcOrd="1" destOrd="0" parTransId="{F2178F81-B048-4C92-94DB-6C38AAA1DD8F}" sibTransId="{5ACA89A6-5355-44F5-9976-1434011FA278}"/>
-    <dgm:cxn modelId="{5F85650E-6E65-4C3F-89B2-14ECAA9C3F34}" type="presOf" srcId="{77F3010B-F28B-4000-8E6C-4DE06BE354E1}" destId="{568833BC-6377-4068-9691-58DE20F1F481}" srcOrd="1" destOrd="0" presId="urn:microsoft.com/office/officeart/2005/8/layout/hierarchy3"/>
-    <dgm:cxn modelId="{C9A91B79-53E1-4B4F-95EF-4159C5CBDF5D}" srcId="{6656FD66-FBC1-4F7C-87EE-3BB9BD86932F}" destId="{32133921-4688-4BD6-986A-D877D302977C}" srcOrd="0" destOrd="0" parTransId="{BBDC7F1F-C4B1-46F1-AB70-E1CCD833AF5B}" sibTransId="{CB58F715-DE87-43C6-A64A-249A3BABDAE5}"/>
-    <dgm:cxn modelId="{C8554717-FAE9-4D1B-B796-953D66D84A8F}" type="presOf" srcId="{D82179D9-3B05-4D00-AB37-3EBA8EE806B0}" destId="{E76250A3-8146-4C98-B3A2-5EC4F5465422}" srcOrd="1" destOrd="0" presId="urn:microsoft.com/office/officeart/2005/8/layout/hierarchy3"/>
-    <dgm:cxn modelId="{4B71833C-2C7A-4CAE-9812-611884C3F492}" type="presOf" srcId="{661EC3FB-7039-47B3-BDDE-D2EC89211A96}" destId="{414F0DF8-2B5E-41FD-918D-4BE6923394F3}" srcOrd="0" destOrd="0" presId="urn:microsoft.com/office/officeart/2005/8/layout/hierarchy3"/>
-    <dgm:cxn modelId="{FB4EFD24-BBE5-4D56-BA18-2950B2C2C23E}" type="presOf" srcId="{6656FD66-FBC1-4F7C-87EE-3BB9BD86932F}" destId="{2B143D91-EB27-4B6C-8DAC-816E7FFF005A}" srcOrd="1" destOrd="0" presId="urn:microsoft.com/office/officeart/2005/8/layout/hierarchy3"/>
-    <dgm:cxn modelId="{D0EB19ED-B1B3-4E64-B2C1-71E3A225F7BA}" type="presOf" srcId="{B881F929-7083-4668-9F0D-48498587BEAB}" destId="{BC71166A-D604-4912-98E1-A21206B7BBE3}" srcOrd="0" destOrd="0" presId="urn:microsoft.com/office/officeart/2005/8/layout/hierarchy3"/>
-    <dgm:cxn modelId="{F93749DC-BE30-4822-AE67-3ECE629613FB}" type="presOf" srcId="{77F3010B-F28B-4000-8E6C-4DE06BE354E1}" destId="{F884659A-4CC6-41C8-B4EB-D6CAEA4BF44C}" srcOrd="0" destOrd="0" presId="urn:microsoft.com/office/officeart/2005/8/layout/hierarchy3"/>
-    <dgm:cxn modelId="{7EAD43B2-72FA-46DF-BA7D-181BD9706445}" type="presOf" srcId="{104E28E4-8FF8-45D8-8F96-F3209772D864}" destId="{8907842B-5381-464D-9324-832C084C27FB}" srcOrd="0" destOrd="0" presId="urn:microsoft.com/office/officeart/2005/8/layout/hierarchy3"/>
-    <dgm:cxn modelId="{F043333E-2E59-45EB-B644-7F3BAFADF040}" srcId="{06BD6BFF-D982-43C4-9D77-C7BA18B10CEF}" destId="{D82179D9-3B05-4D00-AB37-3EBA8EE806B0}" srcOrd="2" destOrd="0" parTransId="{0AE97C82-E405-4E31-8659-6982B6616522}" sibTransId="{91A9F018-7B7B-42D3-9751-4D0A859D0EFA}"/>
-    <dgm:cxn modelId="{04EE3127-2B7A-431F-B6BA-02B065B918E6}" type="presOf" srcId="{9963DAA2-5F3E-440F-8F86-EEDC57B38186}" destId="{B4B9A6AA-1B77-4233-8904-290616B01457}" srcOrd="0" destOrd="0" presId="urn:microsoft.com/office/officeart/2005/8/layout/hierarchy3"/>
-    <dgm:cxn modelId="{7A598085-8DEB-4B9A-9E23-8C29905A1190}" type="presOf" srcId="{06BD6BFF-D982-43C4-9D77-C7BA18B10CEF}" destId="{2D72ECAB-EF3A-44CA-A779-D012723AE3BF}" srcOrd="0" destOrd="0" presId="urn:microsoft.com/office/officeart/2005/8/layout/hierarchy3"/>
-    <dgm:cxn modelId="{38FC58D0-4D2C-4D4B-9812-E239328A6CBB}" srcId="{06BD6BFF-D982-43C4-9D77-C7BA18B10CEF}" destId="{6656FD66-FBC1-4F7C-87EE-3BB9BD86932F}" srcOrd="0" destOrd="0" parTransId="{7697816F-DF88-4FB7-9D42-5472BDB18CF9}" sibTransId="{427CBA0B-2686-439D-B933-6C514F8C3F05}"/>
     <dgm:cxn modelId="{41E1BC71-BA5F-4511-88B2-1304F207F200}" type="presParOf" srcId="{2D72ECAB-EF3A-44CA-A779-D012723AE3BF}" destId="{EF99675F-6CC0-4DD9-A32F-0DDBA1CADFB4}" srcOrd="0" destOrd="0" presId="urn:microsoft.com/office/officeart/2005/8/layout/hierarchy3"/>
     <dgm:cxn modelId="{F6E4757E-F891-45DD-86A2-34B359D00111}" type="presParOf" srcId="{EF99675F-6CC0-4DD9-A32F-0DDBA1CADFB4}" destId="{A2F95C91-E106-42A4-878A-491AC999EDFB}" srcOrd="0" destOrd="0" presId="urn:microsoft.com/office/officeart/2005/8/layout/hierarchy3"/>
     <dgm:cxn modelId="{D84C8620-C6A7-4083-B913-9BE26C71C10E}" type="presParOf" srcId="{A2F95C91-E106-42A4-878A-491AC999EDFB}" destId="{D25DA5C0-8DDC-43FC-8C19-4B1ECF8FA3A1}" srcOrd="0" destOrd="0" presId="urn:microsoft.com/office/officeart/2005/8/layout/hierarchy3"/>
@@ -3169,7 +3333,7 @@
             <a:spcAft>
               <a:spcPct val="15000"/>
             </a:spcAft>
-            <a:buChar char="•"/>
+            <a:buChar char="••"/>
           </a:pPr>
           <a:endParaRPr lang="en-US" altLang="zh-TW" sz="800" kern="1200" dirty="0">
             <a:latin typeface="Proxima Nova" panose="02020500000000000000" charset="0"/>
@@ -3186,7 +3350,7 @@
             <a:spcAft>
               <a:spcPct val="15000"/>
             </a:spcAft>
-            <a:buChar char="•"/>
+            <a:buChar char="••"/>
           </a:pPr>
           <a:r>
             <a:rPr lang="en-US" altLang="zh-TW" sz="1600" kern="1200" dirty="0">
@@ -3206,7 +3370,7 @@
             <a:spcAft>
               <a:spcPct val="15000"/>
             </a:spcAft>
-            <a:buChar char="•"/>
+            <a:buChar char="••"/>
           </a:pPr>
           <a:r>
             <a:rPr lang="en-US" altLang="zh-TW" sz="1600" kern="1200" dirty="0">
@@ -3226,7 +3390,7 @@
             <a:spcAft>
               <a:spcPct val="15000"/>
             </a:spcAft>
-            <a:buChar char="•"/>
+            <a:buChar char="••"/>
           </a:pPr>
           <a:r>
             <a:rPr lang="en-US" altLang="zh-TW" sz="1600" kern="1200" dirty="0">
@@ -3290,7 +3454,7 @@
         </a:bodyPr>
         <a:lstStyle/>
         <a:p>
-          <a:pPr marL="0" lvl="0" indent="0" algn="ctr" defTabSz="800100">
+          <a:pPr lvl="0" algn="ctr" defTabSz="800100">
             <a:lnSpc>
               <a:spcPct val="90000"/>
             </a:lnSpc>
@@ -3300,7 +3464,6 @@
             <a:spcAft>
               <a:spcPct val="35000"/>
             </a:spcAft>
-            <a:buNone/>
           </a:pPr>
           <a:r>
             <a:rPr lang="en-US" altLang="zh-TW" sz="1800" kern="1200" dirty="0">
@@ -3370,7 +3533,7 @@
             <a:spcAft>
               <a:spcPct val="15000"/>
             </a:spcAft>
-            <a:buChar char="•"/>
+            <a:buChar char="••"/>
           </a:pPr>
           <a:endParaRPr lang="en-US" altLang="zh-TW" sz="1400" kern="1200" dirty="0">
             <a:latin typeface="Proxima Nova" panose="02020500000000000000" charset="0"/>
@@ -3387,7 +3550,7 @@
             <a:spcAft>
               <a:spcPct val="15000"/>
             </a:spcAft>
-            <a:buChar char="•"/>
+            <a:buChar char="••"/>
           </a:pPr>
           <a:r>
             <a:rPr lang="en-US" altLang="zh-TW" sz="1600" kern="1200" dirty="0">
@@ -3407,7 +3570,7 @@
             <a:spcAft>
               <a:spcPct val="15000"/>
             </a:spcAft>
-            <a:buChar char="•"/>
+            <a:buChar char="••"/>
           </a:pPr>
           <a:r>
             <a:rPr lang="en-US" altLang="zh-TW" sz="1600" kern="1200" dirty="0">
@@ -3471,7 +3634,7 @@
         </a:bodyPr>
         <a:lstStyle/>
         <a:p>
-          <a:pPr marL="0" lvl="0" indent="0" algn="ctr" defTabSz="800100">
+          <a:pPr lvl="0" algn="ctr" defTabSz="800100">
             <a:lnSpc>
               <a:spcPct val="90000"/>
             </a:lnSpc>
@@ -3481,7 +3644,6 @@
             <a:spcAft>
               <a:spcPct val="35000"/>
             </a:spcAft>
-            <a:buNone/>
           </a:pPr>
           <a:r>
             <a:rPr lang="en-US" altLang="zh-TW" sz="1800" kern="1200" dirty="0">
@@ -3552,7 +3714,7 @@
         </a:bodyPr>
         <a:lstStyle/>
         <a:p>
-          <a:pPr marL="0" lvl="0" indent="0" algn="ctr" defTabSz="622300">
+          <a:pPr lvl="0" algn="ctr" defTabSz="622300">
             <a:lnSpc>
               <a:spcPct val="90000"/>
             </a:lnSpc>
@@ -3562,7 +3724,6 @@
             <a:spcAft>
               <a:spcPct val="35000"/>
             </a:spcAft>
-            <a:buNone/>
           </a:pPr>
           <a:r>
             <a:rPr lang="en" sz="1400" kern="1200" dirty="0">
@@ -3572,7 +3733,7 @@
           </a:r>
         </a:p>
         <a:p>
-          <a:pPr marL="0" lvl="0" indent="0" algn="ctr" defTabSz="622300">
+          <a:pPr lvl="0" algn="ctr" defTabSz="622300">
             <a:lnSpc>
               <a:spcPct val="90000"/>
             </a:lnSpc>
@@ -3582,7 +3743,6 @@
             <a:spcAft>
               <a:spcPct val="35000"/>
             </a:spcAft>
-            <a:buNone/>
           </a:pPr>
           <a:r>
             <a:rPr lang="en" sz="1400" kern="1200" dirty="0">
@@ -3702,7 +3862,7 @@
         </a:bodyPr>
         <a:lstStyle/>
         <a:p>
-          <a:pPr marL="0" lvl="0" indent="0" algn="l" defTabSz="533400">
+          <a:pPr lvl="0" algn="l" defTabSz="533400">
             <a:lnSpc>
               <a:spcPct val="90000"/>
             </a:lnSpc>
@@ -3722,7 +3882,7 @@
           </a:r>
         </a:p>
         <a:p>
-          <a:pPr marL="0" lvl="0" indent="0" algn="l" defTabSz="533400">
+          <a:pPr lvl="0" algn="l" defTabSz="533400">
             <a:lnSpc>
               <a:spcPct val="90000"/>
             </a:lnSpc>
@@ -3863,7 +4023,7 @@
         </a:bodyPr>
         <a:lstStyle/>
         <a:p>
-          <a:pPr marL="0" lvl="0" indent="0" algn="l" defTabSz="533400">
+          <a:pPr lvl="0" algn="l" defTabSz="533400">
             <a:lnSpc>
               <a:spcPct val="90000"/>
             </a:lnSpc>
@@ -3888,7 +4048,7 @@
           </a:r>
         </a:p>
         <a:p>
-          <a:pPr marL="0" lvl="0" indent="0" algn="l" defTabSz="533400">
+          <a:pPr lvl="0" algn="l" defTabSz="533400">
             <a:lnSpc>
               <a:spcPct val="90000"/>
             </a:lnSpc>
@@ -3909,7 +4069,19 @@
             <a:rPr lang="en" sz="1200" kern="1200" dirty="0">
               <a:latin typeface="Proxima Nova" panose="02020500000000000000" charset="0"/>
             </a:rPr>
-            <a:t>Take too much time / Not suitable for MLR / Overfitting</a:t>
+            <a:t>Take too much time </a:t>
+          </a:r>
+          <a:r>
+            <a:rPr lang="en" sz="1200" kern="1200" dirty="0" smtClean="0">
+              <a:latin typeface="Proxima Nova" panose="02020500000000000000" charset="0"/>
+            </a:rPr>
+            <a:t>/ </a:t>
+          </a:r>
+          <a:r>
+            <a:rPr lang="en" sz="1200" kern="1200" dirty="0">
+              <a:latin typeface="Proxima Nova" panose="02020500000000000000" charset="0"/>
+            </a:rPr>
+            <a:t>Overfitting</a:t>
           </a:r>
           <a:endParaRPr lang="en-US" altLang="zh-TW" sz="1200" kern="1200" dirty="0">
             <a:latin typeface="Proxima Nova" panose="02020500000000000000" charset="0"/>
@@ -3965,7 +4137,7 @@
         </a:bodyPr>
         <a:lstStyle/>
         <a:p>
-          <a:pPr marL="0" lvl="0" indent="0" algn="ctr" defTabSz="622300">
+          <a:pPr lvl="0" algn="ctr" defTabSz="622300">
             <a:lnSpc>
               <a:spcPct val="90000"/>
             </a:lnSpc>
@@ -3975,7 +4147,7 @@
             <a:spcAft>
               <a:spcPct val="35000"/>
             </a:spcAft>
-            <a:buNone/>
+            <a:buChar char="-"/>
           </a:pPr>
           <a:r>
             <a:rPr lang="en" sz="1400" kern="1200" dirty="0">
@@ -3985,7 +4157,7 @@
           </a:r>
         </a:p>
         <a:p>
-          <a:pPr marL="0" lvl="0" indent="0" algn="ctr" defTabSz="622300">
+          <a:pPr lvl="0" algn="ctr" defTabSz="622300">
             <a:lnSpc>
               <a:spcPct val="90000"/>
             </a:lnSpc>
@@ -3995,7 +4167,7 @@
             <a:spcAft>
               <a:spcPct val="35000"/>
             </a:spcAft>
-            <a:buNone/>
+            <a:buChar char="-"/>
           </a:pPr>
           <a:r>
             <a:rPr lang="en" sz="1400" kern="1200" dirty="0">
@@ -4115,7 +4287,7 @@
         </a:bodyPr>
         <a:lstStyle/>
         <a:p>
-          <a:pPr marL="0" lvl="0" indent="0" algn="l" defTabSz="533400">
+          <a:pPr lvl="0" algn="l" defTabSz="533400">
             <a:lnSpc>
               <a:spcPct val="90000"/>
             </a:lnSpc>
@@ -4140,7 +4312,7 @@
           </a:r>
         </a:p>
         <a:p>
-          <a:pPr marL="0" lvl="0" indent="0" algn="l" defTabSz="533400">
+          <a:pPr lvl="0" algn="l" defTabSz="533400">
             <a:lnSpc>
               <a:spcPct val="90000"/>
             </a:lnSpc>
@@ -4165,7 +4337,7 @@
           </a:r>
         </a:p>
         <a:p>
-          <a:pPr marL="0" lvl="0" indent="0" algn="l" defTabSz="533400">
+          <a:pPr lvl="0" algn="l" defTabSz="533400">
             <a:lnSpc>
               <a:spcPct val="90000"/>
             </a:lnSpc>
@@ -4311,7 +4483,7 @@
         </a:bodyPr>
         <a:lstStyle/>
         <a:p>
-          <a:pPr marL="0" lvl="0" indent="0" algn="l" defTabSz="533400">
+          <a:pPr lvl="0" algn="l" defTabSz="533400">
             <a:lnSpc>
               <a:spcPct val="90000"/>
             </a:lnSpc>
@@ -4336,7 +4508,7 @@
           </a:r>
         </a:p>
         <a:p>
-          <a:pPr marL="0" lvl="0" indent="0" algn="l" defTabSz="533400">
+          <a:pPr lvl="0" algn="l" defTabSz="533400">
             <a:lnSpc>
               <a:spcPct val="90000"/>
             </a:lnSpc>
@@ -4420,7 +4592,7 @@
         </a:bodyPr>
         <a:lstStyle/>
         <a:p>
-          <a:pPr marL="0" lvl="0" indent="0" algn="ctr" defTabSz="444500">
+          <a:pPr lvl="0" algn="ctr" defTabSz="444500">
             <a:lnSpc>
               <a:spcPct val="90000"/>
             </a:lnSpc>
@@ -4430,7 +4602,6 @@
             <a:spcAft>
               <a:spcPct val="35000"/>
             </a:spcAft>
-            <a:buNone/>
           </a:pPr>
           <a:r>
             <a:rPr lang="en" sz="1000" kern="1200" dirty="0"/>
@@ -4438,7 +4609,7 @@
           </a:r>
         </a:p>
         <a:p>
-          <a:pPr marL="0" lvl="0" indent="0" algn="ctr" defTabSz="444500">
+          <a:pPr lvl="0" algn="ctr" defTabSz="444500">
             <a:lnSpc>
               <a:spcPct val="90000"/>
             </a:lnSpc>
@@ -4448,7 +4619,6 @@
             <a:spcAft>
               <a:spcPct val="35000"/>
             </a:spcAft>
-            <a:buNone/>
           </a:pPr>
           <a:r>
             <a:rPr lang="en" sz="1000" kern="1200" dirty="0"/>
@@ -4456,7 +4626,7 @@
           </a:r>
         </a:p>
         <a:p>
-          <a:pPr marL="0" lvl="0" indent="0" algn="ctr" defTabSz="444500">
+          <a:pPr lvl="0" algn="ctr" defTabSz="444500">
             <a:lnSpc>
               <a:spcPct val="90000"/>
             </a:lnSpc>
@@ -4466,7 +4636,6 @@
             <a:spcAft>
               <a:spcPct val="35000"/>
             </a:spcAft>
-            <a:buNone/>
           </a:pPr>
           <a:r>
             <a:rPr lang="en" sz="1000" kern="1200" dirty="0"/>
@@ -4582,7 +4751,7 @@
         </a:bodyPr>
         <a:lstStyle/>
         <a:p>
-          <a:pPr marL="0" lvl="0" indent="0" algn="l" defTabSz="533400">
+          <a:pPr lvl="0" algn="l" defTabSz="533400">
             <a:lnSpc>
               <a:spcPct val="90000"/>
             </a:lnSpc>
@@ -4602,7 +4771,7 @@
           </a:r>
         </a:p>
         <a:p>
-          <a:pPr marL="0" lvl="0" indent="0" algn="l" defTabSz="533400">
+          <a:pPr lvl="0" algn="l" defTabSz="533400">
             <a:lnSpc>
               <a:spcPct val="90000"/>
             </a:lnSpc>
@@ -4743,7 +4912,7 @@
         </a:bodyPr>
         <a:lstStyle/>
         <a:p>
-          <a:pPr marL="0" lvl="0" indent="0" algn="l" defTabSz="533400">
+          <a:pPr lvl="0" algn="l" defTabSz="533400">
             <a:lnSpc>
               <a:spcPct val="90000"/>
             </a:lnSpc>
@@ -4760,7 +4929,7 @@
           </a:endParaRPr>
         </a:p>
         <a:p>
-          <a:pPr marL="0" lvl="0" indent="0" algn="l" defTabSz="533400">
+          <a:pPr lvl="0" algn="l" defTabSz="533400">
             <a:lnSpc>
               <a:spcPct val="90000"/>
             </a:lnSpc>
@@ -4780,7 +4949,7 @@
           </a:r>
         </a:p>
         <a:p>
-          <a:pPr marL="0" lvl="0" indent="0" algn="l" defTabSz="533400">
+          <a:pPr lvl="0" algn="l" defTabSz="533400">
             <a:lnSpc>
               <a:spcPct val="90000"/>
             </a:lnSpc>
@@ -4813,7 +4982,7 @@
             <a:spcAft>
               <a:spcPct val="15000"/>
             </a:spcAft>
-            <a:buChar char="•"/>
+            <a:buChar char="••"/>
           </a:pPr>
           <a:endParaRPr lang="en-US" altLang="zh-TW" sz="1300" kern="1200"/>
         </a:p>
@@ -7553,6 +7722,11 @@
         </p:txBody>
       </p:sp>
     </p:spTree>
+    <p:extLst>
+      <p:ext uri="{BB962C8B-B14F-4D97-AF65-F5344CB8AC3E}">
+        <p14:creationId xmlns:p14="http://schemas.microsoft.com/office/powerpoint/2010/main" val="4161419123"/>
+      </p:ext>
+    </p:extLst>
   </p:cSld>
   <p:clrMap bg1="lt1" tx1="dk1" bg2="dk2" tx2="lt2" accent1="accent1" accent2="accent2" accent3="accent3" accent4="accent4" accent5="accent5" accent6="accent6" hlink="hlink" folHlink="folHlink"/>
   <p:notesStyle>
@@ -8456,7 +8630,7 @@
               </a:spcBef>
               <a:buNone/>
             </a:pPr>
-            <a:endParaRPr/>
+            <a:endParaRPr dirty="0"/>
           </a:p>
         </p:txBody>
       </p:sp>
@@ -8557,7 +8731,7 @@
               </a:spcBef>
               <a:buNone/>
             </a:pPr>
-            <a:endParaRPr/>
+            <a:endParaRPr dirty="0"/>
           </a:p>
         </p:txBody>
       </p:sp>
@@ -8984,6 +9158,107 @@
   <p:cSld>
     <p:spTree>
       <p:nvGrpSpPr>
+        <p:cNvPr id="1" name="Shape 91"/>
+        <p:cNvGrpSpPr/>
+        <p:nvPr/>
+      </p:nvGrpSpPr>
+      <p:grpSpPr>
+        <a:xfrm>
+          <a:off x="0" y="0"/>
+          <a:ext cx="0" cy="0"/>
+          <a:chOff x="0" y="0"/>
+          <a:chExt cx="0" cy="0"/>
+        </a:xfrm>
+      </p:grpSpPr>
+      <p:sp>
+        <p:nvSpPr>
+          <p:cNvPr id="92" name="Shape 92"/>
+          <p:cNvSpPr>
+            <a:spLocks noGrp="1" noRot="1" noChangeAspect="1"/>
+          </p:cNvSpPr>
+          <p:nvPr>
+            <p:ph type="sldImg" idx="2"/>
+          </p:nvPr>
+        </p:nvSpPr>
+        <p:spPr>
+          <a:xfrm>
+            <a:off x="381000" y="685800"/>
+            <a:ext cx="6096000" cy="3429000"/>
+          </a:xfrm>
+          <a:custGeom>
+            <a:avLst/>
+            <a:gdLst/>
+            <a:ahLst/>
+            <a:cxnLst/>
+            <a:rect l="0" t="0" r="0" b="0"/>
+            <a:pathLst>
+              <a:path w="120000" h="120000" extrusionOk="0">
+                <a:moveTo>
+                  <a:pt x="0" y="0"/>
+                </a:moveTo>
+                <a:lnTo>
+                  <a:pt x="120000" y="0"/>
+                </a:lnTo>
+                <a:lnTo>
+                  <a:pt x="120000" y="120000"/>
+                </a:lnTo>
+                <a:lnTo>
+                  <a:pt x="0" y="120000"/>
+                </a:lnTo>
+                <a:close/>
+              </a:path>
+            </a:pathLst>
+          </a:custGeom>
+        </p:spPr>
+      </p:sp>
+      <p:sp>
+        <p:nvSpPr>
+          <p:cNvPr id="93" name="Shape 93"/>
+          <p:cNvSpPr txBox="1">
+            <a:spLocks noGrp="1"/>
+          </p:cNvSpPr>
+          <p:nvPr>
+            <p:ph type="body" idx="1"/>
+          </p:nvPr>
+        </p:nvSpPr>
+        <p:spPr>
+          <a:xfrm>
+            <a:off x="685800" y="4343400"/>
+            <a:ext cx="5486400" cy="4114800"/>
+          </a:xfrm>
+          <a:prstGeom prst="rect">
+            <a:avLst/>
+          </a:prstGeom>
+        </p:spPr>
+        <p:txBody>
+          <a:bodyPr lIns="91425" tIns="91425" rIns="91425" bIns="91425" anchor="t" anchorCtr="0">
+            <a:noAutofit/>
+          </a:bodyPr>
+          <a:lstStyle/>
+          <a:p>
+            <a:pPr lvl="0">
+              <a:spcBef>
+                <a:spcPts val="0"/>
+              </a:spcBef>
+              <a:buNone/>
+            </a:pPr>
+            <a:endParaRPr/>
+          </a:p>
+        </p:txBody>
+      </p:sp>
+    </p:spTree>
+  </p:cSld>
+  <p:clrMapOvr>
+    <a:masterClrMapping/>
+  </p:clrMapOvr>
+</p:notes>
+</file>
+
+<file path=ppt/notesSlides/notesSlide5.xml><?xml version="1.0" encoding="utf-8"?>
+<p:notes xmlns:a="http://schemas.openxmlformats.org/drawingml/2006/main" xmlns:r="http://schemas.openxmlformats.org/officeDocument/2006/relationships" xmlns:p="http://schemas.openxmlformats.org/presentationml/2006/main" showMasterSp="0" showMasterPhAnim="0">
+  <p:cSld>
+    <p:spTree>
+      <p:nvGrpSpPr>
         <p:cNvPr id="1" name="Shape 79"/>
         <p:cNvGrpSpPr/>
         <p:nvPr/>
@@ -9080,7 +9355,7 @@
 </p:notes>
 </file>
 
-<file path=ppt/notesSlides/notesSlide5.xml><?xml version="1.0" encoding="utf-8"?>
+<file path=ppt/notesSlides/notesSlide6.xml><?xml version="1.0" encoding="utf-8"?>
 <p:notes xmlns:a="http://schemas.openxmlformats.org/drawingml/2006/main" xmlns:r="http://schemas.openxmlformats.org/officeDocument/2006/relationships" xmlns:p="http://schemas.openxmlformats.org/presentationml/2006/main" showMasterSp="0" showMasterPhAnim="0">
   <p:cSld>
     <p:spTree>
@@ -9141,107 +9416,6 @@
       <p:sp>
         <p:nvSpPr>
           <p:cNvPr id="87" name="Shape 87"/>
-          <p:cNvSpPr txBox="1">
-            <a:spLocks noGrp="1"/>
-          </p:cNvSpPr>
-          <p:nvPr>
-            <p:ph type="body" idx="1"/>
-          </p:nvPr>
-        </p:nvSpPr>
-        <p:spPr>
-          <a:xfrm>
-            <a:off x="685800" y="4343400"/>
-            <a:ext cx="5486400" cy="4114800"/>
-          </a:xfrm>
-          <a:prstGeom prst="rect">
-            <a:avLst/>
-          </a:prstGeom>
-        </p:spPr>
-        <p:txBody>
-          <a:bodyPr lIns="91425" tIns="91425" rIns="91425" bIns="91425" anchor="t" anchorCtr="0">
-            <a:noAutofit/>
-          </a:bodyPr>
-          <a:lstStyle/>
-          <a:p>
-            <a:pPr lvl="0">
-              <a:spcBef>
-                <a:spcPts val="0"/>
-              </a:spcBef>
-              <a:buNone/>
-            </a:pPr>
-            <a:endParaRPr/>
-          </a:p>
-        </p:txBody>
-      </p:sp>
-    </p:spTree>
-  </p:cSld>
-  <p:clrMapOvr>
-    <a:masterClrMapping/>
-  </p:clrMapOvr>
-</p:notes>
-</file>
-
-<file path=ppt/notesSlides/notesSlide6.xml><?xml version="1.0" encoding="utf-8"?>
-<p:notes xmlns:a="http://schemas.openxmlformats.org/drawingml/2006/main" xmlns:r="http://schemas.openxmlformats.org/officeDocument/2006/relationships" xmlns:p="http://schemas.openxmlformats.org/presentationml/2006/main" showMasterSp="0" showMasterPhAnim="0">
-  <p:cSld>
-    <p:spTree>
-      <p:nvGrpSpPr>
-        <p:cNvPr id="1" name="Shape 91"/>
-        <p:cNvGrpSpPr/>
-        <p:nvPr/>
-      </p:nvGrpSpPr>
-      <p:grpSpPr>
-        <a:xfrm>
-          <a:off x="0" y="0"/>
-          <a:ext cx="0" cy="0"/>
-          <a:chOff x="0" y="0"/>
-          <a:chExt cx="0" cy="0"/>
-        </a:xfrm>
-      </p:grpSpPr>
-      <p:sp>
-        <p:nvSpPr>
-          <p:cNvPr id="92" name="Shape 92"/>
-          <p:cNvSpPr>
-            <a:spLocks noGrp="1" noRot="1" noChangeAspect="1"/>
-          </p:cNvSpPr>
-          <p:nvPr>
-            <p:ph type="sldImg" idx="2"/>
-          </p:nvPr>
-        </p:nvSpPr>
-        <p:spPr>
-          <a:xfrm>
-            <a:off x="381000" y="685800"/>
-            <a:ext cx="6096000" cy="3429000"/>
-          </a:xfrm>
-          <a:custGeom>
-            <a:avLst/>
-            <a:gdLst/>
-            <a:ahLst/>
-            <a:cxnLst/>
-            <a:rect l="0" t="0" r="0" b="0"/>
-            <a:pathLst>
-              <a:path w="120000" h="120000" extrusionOk="0">
-                <a:moveTo>
-                  <a:pt x="0" y="0"/>
-                </a:moveTo>
-                <a:lnTo>
-                  <a:pt x="120000" y="0"/>
-                </a:lnTo>
-                <a:lnTo>
-                  <a:pt x="120000" y="120000"/>
-                </a:lnTo>
-                <a:lnTo>
-                  <a:pt x="0" y="120000"/>
-                </a:lnTo>
-                <a:close/>
-              </a:path>
-            </a:pathLst>
-          </a:custGeom>
-        </p:spPr>
-      </p:sp>
-      <p:sp>
-        <p:nvSpPr>
-          <p:cNvPr id="93" name="Shape 93"/>
           <p:cNvSpPr txBox="1">
             <a:spLocks noGrp="1"/>
           </p:cNvSpPr>
@@ -14435,6 +14609,10 @@
             <a:endParaRPr lang="en-US" altLang="zh-TW" dirty="0"/>
           </a:p>
           <a:p>
+            <a:r>
+              <a:rPr lang="en-US" altLang="zh-TW" dirty="0"/>
+              <a:t/>
+            </a:r>
             <a:br>
               <a:rPr lang="en-US" altLang="zh-TW" dirty="0"/>
             </a:br>
@@ -14481,6 +14659,10 @@
             <a:endParaRPr lang="en-US" altLang="zh-TW" dirty="0"/>
           </a:p>
           <a:p>
+            <a:r>
+              <a:rPr lang="en-US" altLang="zh-TW" dirty="0"/>
+              <a:t/>
+            </a:r>
             <a:br>
               <a:rPr lang="en-US" altLang="zh-TW" dirty="0"/>
             </a:br>
@@ -16306,7 +16488,7 @@
           </a:prstGeom>
           <a:noFill/>
           <a:extLst>
-            <a:ext uri="{909E8E84-426E-40DD-AFC4-6F175D3DCCD1}">
+            <a:ext uri="{909E8E84-426E-40dd-AFC4-6F175D3DCCD1}">
               <a14:hiddenFill xmlns:a14="http://schemas.microsoft.com/office/drawing/2010/main">
                 <a:solidFill>
                   <a:srgbClr val="FFFFFF"/>
@@ -16506,7 +16688,7 @@
           </a:prstGeom>
           <a:noFill/>
           <a:extLst>
-            <a:ext uri="{909E8E84-426E-40DD-AFC4-6F175D3DCCD1}">
+            <a:ext uri="{909E8E84-426E-40dd-AFC4-6F175D3DCCD1}">
               <a14:hiddenFill xmlns:a14="http://schemas.microsoft.com/office/drawing/2010/main">
                 <a:solidFill>
                   <a:srgbClr val="FFFFFF"/>
@@ -16547,7 +16729,7 @@
           </a:prstGeom>
           <a:noFill/>
           <a:extLst>
-            <a:ext uri="{909E8E84-426E-40DD-AFC4-6F175D3DCCD1}">
+            <a:ext uri="{909E8E84-426E-40dd-AFC4-6F175D3DCCD1}">
               <a14:hiddenFill xmlns:a14="http://schemas.microsoft.com/office/drawing/2010/main">
                 <a:solidFill>
                   <a:srgbClr val="FFFFFF"/>
@@ -16828,7 +17010,7 @@
         <p:spPr>
           <a:xfrm>
             <a:off x="422564" y="1165962"/>
-            <a:ext cx="4953000" cy="3308598"/>
+            <a:ext cx="4953000" cy="3524042"/>
           </a:xfrm>
           <a:prstGeom prst="rect">
             <a:avLst/>
@@ -16894,7 +17076,36 @@
             </a:r>
           </a:p>
           <a:p>
-            <a:endParaRPr lang="en-US" altLang="zh-TW" dirty="0">
+            <a:endParaRPr lang="en-US" altLang="zh-TW" dirty="0" smtClean="0">
+              <a:solidFill>
+                <a:srgbClr val="344645"/>
+              </a:solidFill>
+              <a:latin typeface="Proxima Nova" panose="02020500000000000000" charset="0"/>
+            </a:endParaRPr>
+          </a:p>
+          <a:p>
+            <a:r>
+              <a:rPr lang="en-US" altLang="zh-TW" dirty="0">
+                <a:solidFill>
+                  <a:srgbClr val="344645"/>
+                </a:solidFill>
+                <a:latin typeface="Proxima Nova" panose="02020500000000000000" charset="0"/>
+              </a:rPr>
+              <a:t>RMSE: </a:t>
+            </a:r>
+            <a:r>
+              <a:rPr lang="en" altLang="zh-TW" dirty="0">
+                <a:solidFill>
+                  <a:srgbClr val="344645"/>
+                </a:solidFill>
+                <a:latin typeface="Proxima Nova" panose="02020500000000000000" charset="0"/>
+              </a:rPr>
+              <a:t>0.5451</a:t>
+            </a:r>
+          </a:p>
+          <a:p>
+            <a:pPr lvl="0"/>
+            <a:endParaRPr lang="en-US" altLang="zh-TW" dirty="0" smtClean="0">
               <a:solidFill>
                 <a:srgbClr val="344645"/>
               </a:solidFill>
@@ -16904,13 +17115,22 @@
           <a:p>
             <a:pPr lvl="0"/>
             <a:r>
+              <a:rPr lang="en-US" altLang="zh-TW" dirty="0" smtClean="0">
+                <a:solidFill>
+                  <a:srgbClr val="344645"/>
+                </a:solidFill>
+                <a:latin typeface="Proxima Nova" panose="02020500000000000000" charset="0"/>
+              </a:rPr>
+              <a:t>Parameter</a:t>
+            </a:r>
+            <a:r>
               <a:rPr lang="en-US" altLang="zh-TW" dirty="0">
                 <a:solidFill>
                   <a:srgbClr val="344645"/>
                 </a:solidFill>
                 <a:latin typeface="Proxima Nova" panose="02020500000000000000" charset="0"/>
               </a:rPr>
-              <a:t>Parameter: </a:t>
+              <a:t>: </a:t>
             </a:r>
           </a:p>
           <a:p>
@@ -16931,10 +17151,10 @@
                 </a:solidFill>
                 <a:latin typeface="Proxima Nova" panose="02020500000000000000" charset="0"/>
               </a:rPr>
-              <a:t>nrounds = c(150, 200, 250, </a:t>
+              <a:t>nrounds = </a:t>
             </a:r>
             <a:r>
-              <a:rPr lang="en" altLang="zh-TW" b="1" dirty="0">
+              <a:rPr lang="en" altLang="zh-TW" dirty="0" smtClean="0">
                 <a:solidFill>
                   <a:srgbClr val="344645"/>
                 </a:solidFill>
@@ -16942,15 +17162,12 @@
               </a:rPr>
               <a:t>300</a:t>
             </a:r>
-            <a:r>
-              <a:rPr lang="en" altLang="zh-TW" dirty="0">
-                <a:solidFill>
-                  <a:srgbClr val="344645"/>
-                </a:solidFill>
-                <a:latin typeface="Proxima Nova" panose="02020500000000000000" charset="0"/>
-              </a:rPr>
-              <a:t>)</a:t>
-            </a:r>
+            <a:endParaRPr lang="en" altLang="zh-TW" dirty="0">
+              <a:solidFill>
+                <a:srgbClr val="344645"/>
+              </a:solidFill>
+              <a:latin typeface="Proxima Nova" panose="02020500000000000000" charset="0"/>
+            </a:endParaRPr>
           </a:p>
           <a:p>
             <a:pPr lvl="0"/>
@@ -16970,26 +17187,23 @@
                 </a:solidFill>
                 <a:latin typeface="Proxima Nova" panose="02020500000000000000" charset="0"/>
               </a:rPr>
-              <a:t>ax_depth = c(3, </a:t>
+              <a:t>ax_depth = </a:t>
             </a:r>
             <a:r>
-              <a:rPr lang="en" altLang="zh-TW" b="1" dirty="0">
+              <a:rPr lang="en" altLang="zh-TW" dirty="0" smtClean="0">
                 <a:solidFill>
                   <a:srgbClr val="344645"/>
                 </a:solidFill>
                 <a:latin typeface="Proxima Nova" panose="02020500000000000000" charset="0"/>
               </a:rPr>
-              <a:t>4</a:t>
+              <a:t>3</a:t>
             </a:r>
-            <a:r>
-              <a:rPr lang="en" altLang="zh-TW" dirty="0">
-                <a:solidFill>
-                  <a:srgbClr val="344645"/>
-                </a:solidFill>
-                <a:latin typeface="Proxima Nova" panose="02020500000000000000" charset="0"/>
-              </a:rPr>
-              <a:t>, 5)</a:t>
-            </a:r>
+            <a:endParaRPr lang="en" altLang="zh-TW" dirty="0">
+              <a:solidFill>
+                <a:srgbClr val="344645"/>
+              </a:solidFill>
+              <a:latin typeface="Proxima Nova" panose="02020500000000000000" charset="0"/>
+            </a:endParaRPr>
           </a:p>
           <a:p>
             <a:pPr lvl="0"/>
@@ -17021,26 +17235,32 @@
                 </a:solidFill>
                 <a:latin typeface="Proxima Nova" panose="02020500000000000000" charset="0"/>
               </a:rPr>
-              <a:t>amma = c(0.1, </a:t>
+              <a:t>amma = </a:t>
             </a:r>
             <a:r>
-              <a:rPr lang="en" altLang="zh-TW" b="1" dirty="0">
+              <a:rPr lang="en-US" altLang="zh-TW" dirty="0" smtClean="0">
                 <a:solidFill>
                   <a:srgbClr val="344645"/>
                 </a:solidFill>
                 <a:latin typeface="Proxima Nova" panose="02020500000000000000" charset="0"/>
               </a:rPr>
-              <a:t>0.2</a:t>
+              <a:t>0</a:t>
             </a:r>
             <a:r>
-              <a:rPr lang="en" altLang="zh-TW" dirty="0">
+              <a:rPr lang="en" altLang="zh-TW" dirty="0" smtClean="0">
                 <a:solidFill>
                   <a:srgbClr val="344645"/>
                 </a:solidFill>
                 <a:latin typeface="Proxima Nova" panose="02020500000000000000" charset="0"/>
               </a:rPr>
-              <a:t>) </a:t>
+              <a:t> </a:t>
             </a:r>
+            <a:endParaRPr lang="en" altLang="zh-TW" dirty="0">
+              <a:solidFill>
+                <a:srgbClr val="344645"/>
+              </a:solidFill>
+              <a:latin typeface="Proxima Nova" panose="02020500000000000000" charset="0"/>
+            </a:endParaRPr>
           </a:p>
           <a:p>
             <a:pPr lvl="0"/>
@@ -17060,16 +17280,16 @@
                 </a:solidFill>
                 <a:latin typeface="Proxima Nova" panose="02020500000000000000" charset="0"/>
               </a:rPr>
-              <a:t>olsample_bytree = c(</a:t>
+              <a:t>olsample_bytree = </a:t>
             </a:r>
             <a:r>
-              <a:rPr lang="en" altLang="zh-TW" b="1" dirty="0">
+              <a:rPr lang="en" altLang="zh-TW" dirty="0" smtClean="0">
                 <a:solidFill>
                   <a:srgbClr val="344645"/>
                 </a:solidFill>
                 <a:latin typeface="Proxima Nova" panose="02020500000000000000" charset="0"/>
               </a:rPr>
-              <a:t>0.6</a:t>
+              <a:t>0.8 </a:t>
             </a:r>
             <a:r>
               <a:rPr lang="en" altLang="zh-TW" dirty="0">
@@ -17078,7 +17298,7 @@
                 </a:solidFill>
                 <a:latin typeface="Proxima Nova" panose="02020500000000000000" charset="0"/>
               </a:rPr>
-              <a:t>, 0.7, 0.8) 	</a:t>
+              <a:t>	</a:t>
             </a:r>
           </a:p>
           <a:p>
@@ -17111,26 +17331,23 @@
                 </a:solidFill>
                 <a:latin typeface="Proxima Nova" panose="02020500000000000000" charset="0"/>
               </a:rPr>
-              <a:t>	subsample = c(0.65, 0.75, </a:t>
+              <a:t>	subsample = </a:t>
             </a:r>
             <a:r>
-              <a:rPr lang="en" altLang="zh-TW" b="1" dirty="0">
+              <a:rPr lang="en" altLang="zh-TW" dirty="0" smtClean="0">
                 <a:solidFill>
                   <a:srgbClr val="344645"/>
                 </a:solidFill>
                 <a:latin typeface="Proxima Nova" panose="02020500000000000000" charset="0"/>
               </a:rPr>
-              <a:t>0.85</a:t>
+              <a:t>0.75</a:t>
             </a:r>
-            <a:r>
-              <a:rPr lang="en" altLang="zh-TW" dirty="0">
-                <a:solidFill>
-                  <a:srgbClr val="344645"/>
-                </a:solidFill>
-                <a:latin typeface="Proxima Nova" panose="02020500000000000000" charset="0"/>
-              </a:rPr>
-              <a:t>)</a:t>
-            </a:r>
+            <a:endParaRPr lang="en" altLang="zh-TW" dirty="0">
+              <a:solidFill>
+                <a:srgbClr val="344645"/>
+              </a:solidFill>
+              <a:latin typeface="Proxima Nova" panose="02020500000000000000" charset="0"/>
+            </a:endParaRPr>
           </a:p>
           <a:p>
             <a:endParaRPr lang="en-US" altLang="zh-TW" dirty="0">
@@ -17148,33 +17365,13 @@
               <a:latin typeface="Proxima Nova" panose="02020500000000000000" charset="0"/>
             </a:endParaRPr>
           </a:p>
-          <a:p>
-            <a:r>
-              <a:rPr lang="en-US" altLang="zh-TW" dirty="0">
-                <a:solidFill>
-                  <a:srgbClr val="344645"/>
-                </a:solidFill>
-                <a:latin typeface="Proxima Nova" panose="02020500000000000000" charset="0"/>
-              </a:rPr>
-              <a:t>RMSE: </a:t>
-            </a:r>
-            <a:r>
-              <a:rPr lang="en" altLang="zh-TW" dirty="0">
-                <a:solidFill>
-                  <a:srgbClr val="344645"/>
-                </a:solidFill>
-                <a:latin typeface="Proxima Nova" panose="02020500000000000000" charset="0"/>
-              </a:rPr>
-              <a:t>0.5451</a:t>
-            </a:r>
-          </a:p>
         </p:txBody>
       </p:sp>
       <p:pic>
         <p:nvPicPr>
-          <p:cNvPr id="1026" name="Picture 2" descr="https://lh4.googleusercontent.com/xDSxLZqaP6dYLsRiDL5D9-O4fAcDJkqEzUrwMHAcW06fzYZjfUBOZQrup5xXw7nrMqfGCichfiz2kMux6usaYpkOFY_NNJB60z4j3EfZ1xvzzq5_aNeaXNR5npXCnY0EtZkHN8qXBY0"/>
+          <p:cNvPr id="6" name="Picture 5" descr="xgbtree_t3.png"/>
           <p:cNvPicPr>
-            <a:picLocks noChangeAspect="1" noChangeArrowheads="1"/>
+            <a:picLocks noChangeAspect="1"/>
           </p:cNvPicPr>
           <p:nvPr/>
         </p:nvPicPr>
@@ -17186,29 +17383,18 @@
               </a:ext>
             </a:extLst>
           </a:blip>
-          <a:srcRect/>
           <a:stretch>
             <a:fillRect/>
           </a:stretch>
         </p:blipFill>
-        <p:spPr bwMode="auto">
+        <p:spPr>
           <a:xfrm>
-            <a:off x="4253347" y="1043474"/>
-            <a:ext cx="4724196" cy="3615115"/>
+            <a:off x="4521859" y="855822"/>
+            <a:ext cx="4044518" cy="4044518"/>
           </a:xfrm>
           <a:prstGeom prst="rect">
             <a:avLst/>
           </a:prstGeom>
-          <a:noFill/>
-          <a:extLst>
-            <a:ext uri="{909E8E84-426E-40DD-AFC4-6F175D3DCCD1}">
-              <a14:hiddenFill xmlns:a14="http://schemas.microsoft.com/office/drawing/2010/main">
-                <a:solidFill>
-                  <a:srgbClr val="FFFFFF"/>
-                </a:solidFill>
-              </a14:hiddenFill>
-            </a:ext>
-          </a:extLst>
         </p:spPr>
       </p:pic>
     </p:spTree>
@@ -17251,7 +17437,7 @@
         </p:blipFill>
         <p:spPr>
           <a:xfrm>
-            <a:off x="-948700" y="-521975"/>
+            <a:off x="-948700" y="-282088"/>
             <a:ext cx="5143500" cy="5143500"/>
           </a:xfrm>
           <a:prstGeom prst="rect">
@@ -17279,7 +17465,7 @@
         </p:blipFill>
         <p:spPr>
           <a:xfrm>
-            <a:off x="4423400" y="676249"/>
+            <a:off x="4423400" y="916136"/>
             <a:ext cx="3886200" cy="3886200"/>
           </a:xfrm>
           <a:prstGeom prst="rect">
@@ -17299,7 +17485,7 @@
         </p:nvSpPr>
         <p:spPr>
           <a:xfrm>
-            <a:off x="1056300" y="767325"/>
+            <a:off x="1056300" y="993101"/>
             <a:ext cx="2920200" cy="310500"/>
           </a:xfrm>
           <a:prstGeom prst="rect">
@@ -17329,7 +17515,7 @@
               <a:buNone/>
             </a:pPr>
             <a:r>
-              <a:rPr lang="en" sz="1150">
+              <a:rPr lang="en" sz="1150" dirty="0">
                 <a:highlight>
                   <a:srgbClr val="F8F8F8"/>
                 </a:highlight>
@@ -17344,7 +17530,7 @@
               </a:spcBef>
               <a:buNone/>
             </a:pPr>
-            <a:endParaRPr/>
+            <a:endParaRPr dirty="0"/>
           </a:p>
         </p:txBody>
       </p:sp>
@@ -17356,7 +17542,7 @@
         </p:nvSpPr>
         <p:spPr>
           <a:xfrm>
-            <a:off x="5057600" y="767325"/>
+            <a:off x="5057600" y="993101"/>
             <a:ext cx="2920200" cy="310500"/>
           </a:xfrm>
           <a:prstGeom prst="rect">
@@ -17586,35 +17772,35 @@
                 <a:gridCol w="1324421">
                   <a:extLst>
                     <a:ext uri="{9D8B030D-6E8A-4147-A177-3AD203B41FA5}">
-                      <a16:colId xmlns:a16="http://schemas.microsoft.com/office/drawing/2014/main" val="20000"/>
+                      <a16:colId xmlns:a16="http://schemas.microsoft.com/office/drawing/2014/main" xmlns="" val="20000"/>
                     </a:ext>
                   </a:extLst>
                 </a:gridCol>
                 <a:gridCol w="1498438">
                   <a:extLst>
                     <a:ext uri="{9D8B030D-6E8A-4147-A177-3AD203B41FA5}">
-                      <a16:colId xmlns:a16="http://schemas.microsoft.com/office/drawing/2014/main" val="20001"/>
+                      <a16:colId xmlns:a16="http://schemas.microsoft.com/office/drawing/2014/main" xmlns="" val="20001"/>
                     </a:ext>
                   </a:extLst>
                 </a:gridCol>
                 <a:gridCol w="2399748">
                   <a:extLst>
                     <a:ext uri="{9D8B030D-6E8A-4147-A177-3AD203B41FA5}">
-                      <a16:colId xmlns:a16="http://schemas.microsoft.com/office/drawing/2014/main" val="20002"/>
+                      <a16:colId xmlns:a16="http://schemas.microsoft.com/office/drawing/2014/main" xmlns="" val="20002"/>
                     </a:ext>
                   </a:extLst>
                 </a:gridCol>
                 <a:gridCol w="1037905">
                   <a:extLst>
                     <a:ext uri="{9D8B030D-6E8A-4147-A177-3AD203B41FA5}">
-                      <a16:colId xmlns:a16="http://schemas.microsoft.com/office/drawing/2014/main" val="20003"/>
+                      <a16:colId xmlns:a16="http://schemas.microsoft.com/office/drawing/2014/main" xmlns="" val="20003"/>
                     </a:ext>
                   </a:extLst>
                 </a:gridCol>
                 <a:gridCol w="1642048">
                   <a:extLst>
                     <a:ext uri="{9D8B030D-6E8A-4147-A177-3AD203B41FA5}">
-                      <a16:colId xmlns:a16="http://schemas.microsoft.com/office/drawing/2014/main" val="20004"/>
+                      <a16:colId xmlns:a16="http://schemas.microsoft.com/office/drawing/2014/main" xmlns="" val="20004"/>
                     </a:ext>
                   </a:extLst>
                 </a:gridCol>
@@ -17777,7 +17963,7 @@
                 </a:tc>
                 <a:extLst>
                   <a:ext uri="{0D108BD9-81ED-4DB2-BD59-A6C34878D82A}">
-                    <a16:rowId xmlns:a16="http://schemas.microsoft.com/office/drawing/2014/main" val="10000"/>
+                    <a16:rowId xmlns:a16="http://schemas.microsoft.com/office/drawing/2014/main" xmlns="" val="10000"/>
                   </a:ext>
                 </a:extLst>
               </a:tr>
@@ -17934,7 +18120,7 @@
                 </a:tc>
                 <a:extLst>
                   <a:ext uri="{0D108BD9-81ED-4DB2-BD59-A6C34878D82A}">
-                    <a16:rowId xmlns:a16="http://schemas.microsoft.com/office/drawing/2014/main" val="10001"/>
+                    <a16:rowId xmlns:a16="http://schemas.microsoft.com/office/drawing/2014/main" xmlns="" val="10001"/>
                   </a:ext>
                 </a:extLst>
               </a:tr>
@@ -18108,7 +18294,7 @@
                 </a:tc>
                 <a:extLst>
                   <a:ext uri="{0D108BD9-81ED-4DB2-BD59-A6C34878D82A}">
-                    <a16:rowId xmlns:a16="http://schemas.microsoft.com/office/drawing/2014/main" val="10002"/>
+                    <a16:rowId xmlns:a16="http://schemas.microsoft.com/office/drawing/2014/main" xmlns="" val="10002"/>
                   </a:ext>
                 </a:extLst>
               </a:tr>
@@ -18262,7 +18448,7 @@
                 </a:tc>
                 <a:extLst>
                   <a:ext uri="{0D108BD9-81ED-4DB2-BD59-A6C34878D82A}">
-                    <a16:rowId xmlns:a16="http://schemas.microsoft.com/office/drawing/2014/main" val="10003"/>
+                    <a16:rowId xmlns:a16="http://schemas.microsoft.com/office/drawing/2014/main" xmlns="" val="10003"/>
                   </a:ext>
                 </a:extLst>
               </a:tr>
@@ -18416,7 +18602,7 @@
                 </a:tc>
                 <a:extLst>
                   <a:ext uri="{0D108BD9-81ED-4DB2-BD59-A6C34878D82A}">
-                    <a16:rowId xmlns:a16="http://schemas.microsoft.com/office/drawing/2014/main" val="10004"/>
+                    <a16:rowId xmlns:a16="http://schemas.microsoft.com/office/drawing/2014/main" xmlns="" val="10004"/>
                   </a:ext>
                 </a:extLst>
               </a:tr>
@@ -18594,7 +18780,7 @@
                 </a:tc>
                 <a:extLst>
                   <a:ext uri="{0D108BD9-81ED-4DB2-BD59-A6C34878D82A}">
-                    <a16:rowId xmlns:a16="http://schemas.microsoft.com/office/drawing/2014/main" val="10005"/>
+                    <a16:rowId xmlns:a16="http://schemas.microsoft.com/office/drawing/2014/main" xmlns="" val="10005"/>
                   </a:ext>
                 </a:extLst>
               </a:tr>
@@ -18795,7 +18981,7 @@
                 </a:tc>
                 <a:extLst>
                   <a:ext uri="{0D108BD9-81ED-4DB2-BD59-A6C34878D82A}">
-                    <a16:rowId xmlns:a16="http://schemas.microsoft.com/office/drawing/2014/main" val="10007"/>
+                    <a16:rowId xmlns:a16="http://schemas.microsoft.com/office/drawing/2014/main" xmlns="" val="10007"/>
                   </a:ext>
                 </a:extLst>
               </a:tr>
@@ -19075,7 +19261,7 @@
                 </a:tc>
                 <a:extLst>
                   <a:ext uri="{0D108BD9-81ED-4DB2-BD59-A6C34878D82A}">
-                    <a16:rowId xmlns:a16="http://schemas.microsoft.com/office/drawing/2014/main" val="10008"/>
+                    <a16:rowId xmlns:a16="http://schemas.microsoft.com/office/drawing/2014/main" xmlns="" val="10008"/>
                   </a:ext>
                 </a:extLst>
               </a:tr>
@@ -20289,6 +20475,226 @@
   <p:cSld>
     <p:spTree>
       <p:nvGrpSpPr>
+        <p:cNvPr id="1" name="Shape 94"/>
+        <p:cNvGrpSpPr/>
+        <p:nvPr/>
+      </p:nvGrpSpPr>
+      <p:grpSpPr>
+        <a:xfrm>
+          <a:off x="0" y="0"/>
+          <a:ext cx="0" cy="0"/>
+          <a:chOff x="0" y="0"/>
+          <a:chExt cx="0" cy="0"/>
+        </a:xfrm>
+      </p:grpSpPr>
+      <p:sp>
+        <p:nvSpPr>
+          <p:cNvPr id="5" name="Flowchart: Process 4"/>
+          <p:cNvSpPr/>
+          <p:nvPr/>
+        </p:nvSpPr>
+        <p:spPr>
+          <a:xfrm>
+            <a:off x="0" y="280327"/>
+            <a:ext cx="5112631" cy="508798"/>
+          </a:xfrm>
+          <a:prstGeom prst="flowChartProcess">
+            <a:avLst/>
+          </a:prstGeom>
+          <a:solidFill>
+            <a:schemeClr val="bg2">
+              <a:lumMod val="60000"/>
+              <a:lumOff val="40000"/>
+              <a:alpha val="51000"/>
+            </a:schemeClr>
+          </a:solidFill>
+          <a:ln>
+            <a:noFill/>
+          </a:ln>
+        </p:spPr>
+        <p:style>
+          <a:lnRef idx="2">
+            <a:schemeClr val="accent1">
+              <a:shade val="50000"/>
+            </a:schemeClr>
+          </a:lnRef>
+          <a:fillRef idx="1">
+            <a:schemeClr val="accent1"/>
+          </a:fillRef>
+          <a:effectRef idx="0">
+            <a:schemeClr val="accent1"/>
+          </a:effectRef>
+          <a:fontRef idx="minor">
+            <a:schemeClr val="lt1"/>
+          </a:fontRef>
+        </p:style>
+        <p:txBody>
+          <a:bodyPr rtlCol="0" anchor="ctr"/>
+          <a:lstStyle/>
+          <a:p>
+            <a:pPr algn="ctr"/>
+            <a:endParaRPr lang="zh-TW" altLang="en-US" dirty="0"/>
+          </a:p>
+        </p:txBody>
+      </p:sp>
+      <p:sp>
+        <p:nvSpPr>
+          <p:cNvPr id="6" name="Flowchart: Process 5"/>
+          <p:cNvSpPr/>
+          <p:nvPr/>
+        </p:nvSpPr>
+        <p:spPr>
+          <a:xfrm>
+            <a:off x="0" y="700285"/>
+            <a:ext cx="9144000" cy="45719"/>
+          </a:xfrm>
+          <a:prstGeom prst="flowChartProcess">
+            <a:avLst/>
+          </a:prstGeom>
+          <a:solidFill>
+            <a:srgbClr val="12281D"/>
+          </a:solidFill>
+          <a:ln>
+            <a:noFill/>
+          </a:ln>
+        </p:spPr>
+        <p:style>
+          <a:lnRef idx="2">
+            <a:schemeClr val="accent1">
+              <a:shade val="50000"/>
+            </a:schemeClr>
+          </a:lnRef>
+          <a:fillRef idx="1">
+            <a:schemeClr val="accent1"/>
+          </a:fillRef>
+          <a:effectRef idx="0">
+            <a:schemeClr val="accent1"/>
+          </a:effectRef>
+          <a:fontRef idx="minor">
+            <a:schemeClr val="lt1"/>
+          </a:fontRef>
+        </p:style>
+        <p:txBody>
+          <a:bodyPr rtlCol="0" anchor="ctr"/>
+          <a:lstStyle/>
+          <a:p>
+            <a:pPr algn="ctr"/>
+            <a:endParaRPr lang="zh-TW" altLang="en-US" dirty="0"/>
+          </a:p>
+        </p:txBody>
+      </p:sp>
+      <p:sp>
+        <p:nvSpPr>
+          <p:cNvPr id="95" name="Shape 95"/>
+          <p:cNvSpPr txBox="1">
+            <a:spLocks noGrp="1"/>
+          </p:cNvSpPr>
+          <p:nvPr>
+            <p:ph type="title"/>
+          </p:nvPr>
+        </p:nvSpPr>
+        <p:spPr>
+          <a:xfrm>
+            <a:off x="311700" y="292625"/>
+            <a:ext cx="8520600" cy="572700"/>
+          </a:xfrm>
+          <a:prstGeom prst="rect">
+            <a:avLst/>
+          </a:prstGeom>
+        </p:spPr>
+        <p:txBody>
+          <a:bodyPr lIns="91425" tIns="91425" rIns="91425" bIns="91425" anchor="t" anchorCtr="0">
+            <a:noAutofit/>
+          </a:bodyPr>
+          <a:lstStyle/>
+          <a:p>
+            <a:pPr lvl="0">
+              <a:spcBef>
+                <a:spcPts val="0"/>
+              </a:spcBef>
+              <a:buNone/>
+            </a:pPr>
+            <a:r>
+              <a:rPr lang="en" sz="2000" dirty="0"/>
+              <a:t>Graphic EDA: Output Variable</a:t>
+            </a:r>
+          </a:p>
+        </p:txBody>
+      </p:sp>
+      <p:pic>
+        <p:nvPicPr>
+          <p:cNvPr id="96" name="Shape 96" descr="Density Plot of Loss.png"/>
+          <p:cNvPicPr preferRelativeResize="0"/>
+          <p:nvPr/>
+        </p:nvPicPr>
+        <p:blipFill>
+          <a:blip r:embed="rId3">
+            <a:alphaModFix/>
+          </a:blip>
+          <a:stretch>
+            <a:fillRect/>
+          </a:stretch>
+        </p:blipFill>
+        <p:spPr>
+          <a:xfrm>
+            <a:off x="571500" y="1095375"/>
+            <a:ext cx="3886200" cy="3562350"/>
+          </a:xfrm>
+          <a:prstGeom prst="rect">
+            <a:avLst/>
+          </a:prstGeom>
+          <a:noFill/>
+          <a:ln>
+            <a:noFill/>
+          </a:ln>
+        </p:spPr>
+      </p:pic>
+      <p:pic>
+        <p:nvPicPr>
+          <p:cNvPr id="97" name="Shape 97" descr="Density of Transformation.png"/>
+          <p:cNvPicPr preferRelativeResize="0"/>
+          <p:nvPr/>
+        </p:nvPicPr>
+        <p:blipFill>
+          <a:blip r:embed="rId4">
+            <a:alphaModFix/>
+          </a:blip>
+          <a:stretch>
+            <a:fillRect/>
+          </a:stretch>
+        </p:blipFill>
+        <p:spPr>
+          <a:xfrm>
+            <a:off x="4381500" y="1095375"/>
+            <a:ext cx="3886200" cy="3562350"/>
+          </a:xfrm>
+          <a:prstGeom prst="rect">
+            <a:avLst/>
+          </a:prstGeom>
+          <a:noFill/>
+          <a:ln>
+            <a:noFill/>
+          </a:ln>
+        </p:spPr>
+      </p:pic>
+    </p:spTree>
+    <p:extLst>
+      <p:ext uri="{BB962C8B-B14F-4D97-AF65-F5344CB8AC3E}">
+        <p14:creationId xmlns:p14="http://schemas.microsoft.com/office/powerpoint/2010/main" val="3901810409"/>
+      </p:ext>
+    </p:extLst>
+  </p:cSld>
+  <p:clrMapOvr>
+    <a:masterClrMapping/>
+  </p:clrMapOvr>
+</p:sld>
+</file>
+
+<file path=ppt/slides/slide5.xml><?xml version="1.0" encoding="utf-8"?>
+<p:sld xmlns:a="http://schemas.openxmlformats.org/drawingml/2006/main" xmlns:r="http://schemas.openxmlformats.org/officeDocument/2006/relationships" xmlns:p="http://schemas.openxmlformats.org/presentationml/2006/main">
+  <p:cSld>
+    <p:spTree>
+      <p:nvGrpSpPr>
         <p:cNvPr id="1" name="Shape 82"/>
         <p:cNvGrpSpPr/>
         <p:nvPr/>
@@ -20465,7 +20871,7 @@
 </p:sld>
 </file>
 
-<file path=ppt/slides/slide5.xml><?xml version="1.0" encoding="utf-8"?>
+<file path=ppt/slides/slide6.xml><?xml version="1.0" encoding="utf-8"?>
 <p:sld xmlns:a="http://schemas.openxmlformats.org/drawingml/2006/main" xmlns:r="http://schemas.openxmlformats.org/officeDocument/2006/relationships" xmlns:p="http://schemas.openxmlformats.org/presentationml/2006/main">
   <p:cSld>
     <p:spTree>
@@ -20643,42 +21049,42 @@
                 <a:gridCol w="1196109">
                   <a:extLst>
                     <a:ext uri="{9D8B030D-6E8A-4147-A177-3AD203B41FA5}">
-                      <a16:colId xmlns:a16="http://schemas.microsoft.com/office/drawing/2014/main" val="20000"/>
+                      <a16:colId xmlns:a16="http://schemas.microsoft.com/office/drawing/2014/main" xmlns="" val="20000"/>
                     </a:ext>
                   </a:extLst>
                 </a:gridCol>
                 <a:gridCol w="1206500">
                   <a:extLst>
                     <a:ext uri="{9D8B030D-6E8A-4147-A177-3AD203B41FA5}">
-                      <a16:colId xmlns:a16="http://schemas.microsoft.com/office/drawing/2014/main" val="20001"/>
+                      <a16:colId xmlns:a16="http://schemas.microsoft.com/office/drawing/2014/main" xmlns="" val="20001"/>
                     </a:ext>
                   </a:extLst>
                 </a:gridCol>
                 <a:gridCol w="1206500">
                   <a:extLst>
                     <a:ext uri="{9D8B030D-6E8A-4147-A177-3AD203B41FA5}">
-                      <a16:colId xmlns:a16="http://schemas.microsoft.com/office/drawing/2014/main" val="20002"/>
+                      <a16:colId xmlns:a16="http://schemas.microsoft.com/office/drawing/2014/main" xmlns="" val="20002"/>
                     </a:ext>
                   </a:extLst>
                 </a:gridCol>
                 <a:gridCol w="1206500">
                   <a:extLst>
                     <a:ext uri="{9D8B030D-6E8A-4147-A177-3AD203B41FA5}">
-                      <a16:colId xmlns:a16="http://schemas.microsoft.com/office/drawing/2014/main" val="20003"/>
+                      <a16:colId xmlns:a16="http://schemas.microsoft.com/office/drawing/2014/main" xmlns="" val="20003"/>
                     </a:ext>
                   </a:extLst>
                 </a:gridCol>
                 <a:gridCol w="1206500">
                   <a:extLst>
                     <a:ext uri="{9D8B030D-6E8A-4147-A177-3AD203B41FA5}">
-                      <a16:colId xmlns:a16="http://schemas.microsoft.com/office/drawing/2014/main" val="20004"/>
+                      <a16:colId xmlns:a16="http://schemas.microsoft.com/office/drawing/2014/main" xmlns="" val="20004"/>
                     </a:ext>
                   </a:extLst>
                 </a:gridCol>
                 <a:gridCol w="1206500">
                   <a:extLst>
                     <a:ext uri="{9D8B030D-6E8A-4147-A177-3AD203B41FA5}">
-                      <a16:colId xmlns:a16="http://schemas.microsoft.com/office/drawing/2014/main" val="20005"/>
+                      <a16:colId xmlns:a16="http://schemas.microsoft.com/office/drawing/2014/main" xmlns="" val="20005"/>
                     </a:ext>
                   </a:extLst>
                 </a:gridCol>
@@ -20854,7 +21260,7 @@
                 </a:tc>
                 <a:extLst>
                   <a:ext uri="{0D108BD9-81ED-4DB2-BD59-A6C34878D82A}">
-                    <a16:rowId xmlns:a16="http://schemas.microsoft.com/office/drawing/2014/main" val="10000"/>
+                    <a16:rowId xmlns:a16="http://schemas.microsoft.com/office/drawing/2014/main" xmlns="" val="10000"/>
                   </a:ext>
                 </a:extLst>
               </a:tr>
@@ -21008,7 +21414,7 @@
                 </a:tc>
                 <a:extLst>
                   <a:ext uri="{0D108BD9-81ED-4DB2-BD59-A6C34878D82A}">
-                    <a16:rowId xmlns:a16="http://schemas.microsoft.com/office/drawing/2014/main" val="10001"/>
+                    <a16:rowId xmlns:a16="http://schemas.microsoft.com/office/drawing/2014/main" xmlns="" val="10001"/>
                   </a:ext>
                 </a:extLst>
               </a:tr>
@@ -21159,7 +21565,7 @@
                 </a:tc>
                 <a:extLst>
                   <a:ext uri="{0D108BD9-81ED-4DB2-BD59-A6C34878D82A}">
-                    <a16:rowId xmlns:a16="http://schemas.microsoft.com/office/drawing/2014/main" val="10002"/>
+                    <a16:rowId xmlns:a16="http://schemas.microsoft.com/office/drawing/2014/main" xmlns="" val="10002"/>
                   </a:ext>
                 </a:extLst>
               </a:tr>
@@ -21316,7 +21722,7 @@
                 </a:tc>
                 <a:extLst>
                   <a:ext uri="{0D108BD9-81ED-4DB2-BD59-A6C34878D82A}">
-                    <a16:rowId xmlns:a16="http://schemas.microsoft.com/office/drawing/2014/main" val="10003"/>
+                    <a16:rowId xmlns:a16="http://schemas.microsoft.com/office/drawing/2014/main" xmlns="" val="10003"/>
                   </a:ext>
                 </a:extLst>
               </a:tr>
@@ -21470,7 +21876,7 @@
                 </a:tc>
                 <a:extLst>
                   <a:ext uri="{0D108BD9-81ED-4DB2-BD59-A6C34878D82A}">
-                    <a16:rowId xmlns:a16="http://schemas.microsoft.com/office/drawing/2014/main" val="10004"/>
+                    <a16:rowId xmlns:a16="http://schemas.microsoft.com/office/drawing/2014/main" xmlns="" val="10004"/>
                   </a:ext>
                 </a:extLst>
               </a:tr>
@@ -21624,7 +22030,7 @@
                 </a:tc>
                 <a:extLst>
                   <a:ext uri="{0D108BD9-81ED-4DB2-BD59-A6C34878D82A}">
-                    <a16:rowId xmlns:a16="http://schemas.microsoft.com/office/drawing/2014/main" val="10005"/>
+                    <a16:rowId xmlns:a16="http://schemas.microsoft.com/office/drawing/2014/main" xmlns="" val="10005"/>
                   </a:ext>
                 </a:extLst>
               </a:tr>
@@ -21778,7 +22184,7 @@
                 </a:tc>
                 <a:extLst>
                   <a:ext uri="{0D108BD9-81ED-4DB2-BD59-A6C34878D82A}">
-                    <a16:rowId xmlns:a16="http://schemas.microsoft.com/office/drawing/2014/main" val="10006"/>
+                    <a16:rowId xmlns:a16="http://schemas.microsoft.com/office/drawing/2014/main" xmlns="" val="10006"/>
                   </a:ext>
                 </a:extLst>
               </a:tr>
@@ -21929,7 +22335,7 @@
                 </a:tc>
                 <a:extLst>
                   <a:ext uri="{0D108BD9-81ED-4DB2-BD59-A6C34878D82A}">
-                    <a16:rowId xmlns:a16="http://schemas.microsoft.com/office/drawing/2014/main" val="10007"/>
+                    <a16:rowId xmlns:a16="http://schemas.microsoft.com/office/drawing/2014/main" xmlns="" val="10007"/>
                   </a:ext>
                 </a:extLst>
               </a:tr>
@@ -22083,7 +22489,7 @@
                 </a:tc>
                 <a:extLst>
                   <a:ext uri="{0D108BD9-81ED-4DB2-BD59-A6C34878D82A}">
-                    <a16:rowId xmlns:a16="http://schemas.microsoft.com/office/drawing/2014/main" val="10008"/>
+                    <a16:rowId xmlns:a16="http://schemas.microsoft.com/office/drawing/2014/main" xmlns="" val="10008"/>
                   </a:ext>
                 </a:extLst>
               </a:tr>
@@ -22091,221 +22497,6 @@
           </a:graphicData>
         </a:graphic>
       </p:graphicFrame>
-    </p:spTree>
-  </p:cSld>
-  <p:clrMapOvr>
-    <a:masterClrMapping/>
-  </p:clrMapOvr>
-</p:sld>
-</file>
-
-<file path=ppt/slides/slide6.xml><?xml version="1.0" encoding="utf-8"?>
-<p:sld xmlns:a="http://schemas.openxmlformats.org/drawingml/2006/main" xmlns:r="http://schemas.openxmlformats.org/officeDocument/2006/relationships" xmlns:p="http://schemas.openxmlformats.org/presentationml/2006/main">
-  <p:cSld>
-    <p:spTree>
-      <p:nvGrpSpPr>
-        <p:cNvPr id="1" name="Shape 94"/>
-        <p:cNvGrpSpPr/>
-        <p:nvPr/>
-      </p:nvGrpSpPr>
-      <p:grpSpPr>
-        <a:xfrm>
-          <a:off x="0" y="0"/>
-          <a:ext cx="0" cy="0"/>
-          <a:chOff x="0" y="0"/>
-          <a:chExt cx="0" cy="0"/>
-        </a:xfrm>
-      </p:grpSpPr>
-      <p:sp>
-        <p:nvSpPr>
-          <p:cNvPr id="5" name="Flowchart: Process 4"/>
-          <p:cNvSpPr/>
-          <p:nvPr/>
-        </p:nvSpPr>
-        <p:spPr>
-          <a:xfrm>
-            <a:off x="0" y="280327"/>
-            <a:ext cx="5112631" cy="508798"/>
-          </a:xfrm>
-          <a:prstGeom prst="flowChartProcess">
-            <a:avLst/>
-          </a:prstGeom>
-          <a:solidFill>
-            <a:schemeClr val="bg2">
-              <a:lumMod val="60000"/>
-              <a:lumOff val="40000"/>
-              <a:alpha val="51000"/>
-            </a:schemeClr>
-          </a:solidFill>
-          <a:ln>
-            <a:noFill/>
-          </a:ln>
-        </p:spPr>
-        <p:style>
-          <a:lnRef idx="2">
-            <a:schemeClr val="accent1">
-              <a:shade val="50000"/>
-            </a:schemeClr>
-          </a:lnRef>
-          <a:fillRef idx="1">
-            <a:schemeClr val="accent1"/>
-          </a:fillRef>
-          <a:effectRef idx="0">
-            <a:schemeClr val="accent1"/>
-          </a:effectRef>
-          <a:fontRef idx="minor">
-            <a:schemeClr val="lt1"/>
-          </a:fontRef>
-        </p:style>
-        <p:txBody>
-          <a:bodyPr rtlCol="0" anchor="ctr"/>
-          <a:lstStyle/>
-          <a:p>
-            <a:pPr algn="ctr"/>
-            <a:endParaRPr lang="zh-TW" altLang="en-US" dirty="0"/>
-          </a:p>
-        </p:txBody>
-      </p:sp>
-      <p:sp>
-        <p:nvSpPr>
-          <p:cNvPr id="6" name="Flowchart: Process 5"/>
-          <p:cNvSpPr/>
-          <p:nvPr/>
-        </p:nvSpPr>
-        <p:spPr>
-          <a:xfrm>
-            <a:off x="0" y="700285"/>
-            <a:ext cx="9144000" cy="45719"/>
-          </a:xfrm>
-          <a:prstGeom prst="flowChartProcess">
-            <a:avLst/>
-          </a:prstGeom>
-          <a:solidFill>
-            <a:srgbClr val="12281D"/>
-          </a:solidFill>
-          <a:ln>
-            <a:noFill/>
-          </a:ln>
-        </p:spPr>
-        <p:style>
-          <a:lnRef idx="2">
-            <a:schemeClr val="accent1">
-              <a:shade val="50000"/>
-            </a:schemeClr>
-          </a:lnRef>
-          <a:fillRef idx="1">
-            <a:schemeClr val="accent1"/>
-          </a:fillRef>
-          <a:effectRef idx="0">
-            <a:schemeClr val="accent1"/>
-          </a:effectRef>
-          <a:fontRef idx="minor">
-            <a:schemeClr val="lt1"/>
-          </a:fontRef>
-        </p:style>
-        <p:txBody>
-          <a:bodyPr rtlCol="0" anchor="ctr"/>
-          <a:lstStyle/>
-          <a:p>
-            <a:pPr algn="ctr"/>
-            <a:endParaRPr lang="zh-TW" altLang="en-US" dirty="0"/>
-          </a:p>
-        </p:txBody>
-      </p:sp>
-      <p:sp>
-        <p:nvSpPr>
-          <p:cNvPr id="95" name="Shape 95"/>
-          <p:cNvSpPr txBox="1">
-            <a:spLocks noGrp="1"/>
-          </p:cNvSpPr>
-          <p:nvPr>
-            <p:ph type="title"/>
-          </p:nvPr>
-        </p:nvSpPr>
-        <p:spPr>
-          <a:xfrm>
-            <a:off x="311700" y="292625"/>
-            <a:ext cx="8520600" cy="572700"/>
-          </a:xfrm>
-          <a:prstGeom prst="rect">
-            <a:avLst/>
-          </a:prstGeom>
-        </p:spPr>
-        <p:txBody>
-          <a:bodyPr lIns="91425" tIns="91425" rIns="91425" bIns="91425" anchor="t" anchorCtr="0">
-            <a:noAutofit/>
-          </a:bodyPr>
-          <a:lstStyle/>
-          <a:p>
-            <a:pPr lvl="0">
-              <a:spcBef>
-                <a:spcPts val="0"/>
-              </a:spcBef>
-              <a:buNone/>
-            </a:pPr>
-            <a:r>
-              <a:rPr lang="en" sz="2000" dirty="0"/>
-              <a:t>Graphic EDA: Output Variable</a:t>
-            </a:r>
-          </a:p>
-        </p:txBody>
-      </p:sp>
-      <p:pic>
-        <p:nvPicPr>
-          <p:cNvPr id="96" name="Shape 96" descr="Density Plot of Loss.png"/>
-          <p:cNvPicPr preferRelativeResize="0"/>
-          <p:nvPr/>
-        </p:nvPicPr>
-        <p:blipFill>
-          <a:blip r:embed="rId3">
-            <a:alphaModFix/>
-          </a:blip>
-          <a:stretch>
-            <a:fillRect/>
-          </a:stretch>
-        </p:blipFill>
-        <p:spPr>
-          <a:xfrm>
-            <a:off x="571500" y="1095375"/>
-            <a:ext cx="3886200" cy="3562350"/>
-          </a:xfrm>
-          <a:prstGeom prst="rect">
-            <a:avLst/>
-          </a:prstGeom>
-          <a:noFill/>
-          <a:ln>
-            <a:noFill/>
-          </a:ln>
-        </p:spPr>
-      </p:pic>
-      <p:pic>
-        <p:nvPicPr>
-          <p:cNvPr id="97" name="Shape 97" descr="Density of Transformation.png"/>
-          <p:cNvPicPr preferRelativeResize="0"/>
-          <p:nvPr/>
-        </p:nvPicPr>
-        <p:blipFill>
-          <a:blip r:embed="rId4">
-            <a:alphaModFix/>
-          </a:blip>
-          <a:stretch>
-            <a:fillRect/>
-          </a:stretch>
-        </p:blipFill>
-        <p:spPr>
-          <a:xfrm>
-            <a:off x="4381500" y="1095375"/>
-            <a:ext cx="3886200" cy="3562350"/>
-          </a:xfrm>
-          <a:prstGeom prst="rect">
-            <a:avLst/>
-          </a:prstGeom>
-          <a:noFill/>
-          <a:ln>
-            <a:noFill/>
-          </a:ln>
-        </p:spPr>
-      </p:pic>
     </p:spTree>
   </p:cSld>
   <p:clrMapOvr>
@@ -22979,7 +23170,7 @@
           <p:nvPr>
             <p:extLst>
               <p:ext uri="{D42A27DB-BD31-4B8C-83A1-F6EECF244321}">
-                <p14:modId xmlns:p14="http://schemas.microsoft.com/office/powerpoint/2010/main" val="1903644927"/>
+                <p14:modId xmlns:p14="http://schemas.microsoft.com/office/powerpoint/2010/main" val="1709625713"/>
               </p:ext>
             </p:extLst>
           </p:nvPr>
